--- a/poster.pptx
+++ b/poster.pptx
@@ -107,6 +107,11 @@
       </a:defRPr>
     </a:lvl9pPr>
   </p:defaultTextStyle>
+  <p:extLst>
+    <p:ext uri="{EFAFB233-063F-42B5-8137-9DF3F51BA10A}">
+      <p15:sldGuideLst xmlns:p15="http://schemas.microsoft.com/office/powerpoint/2012/main"/>
+    </p:ext>
+  </p:extLst>
 </p:presentation>
 </file>
 
@@ -192,7 +197,7 @@
           <a:p>
             <a:fld id="{08124C43-6445-0C49-A030-F02BB1B69E7B}" type="datetimeFigureOut">
               <a:rPr lang="en-US" smtClean="0"/>
-              <a:t>4/22/24</a:t>
+              <a:t>4/23/24</a:t>
             </a:fld>
             <a:endParaRPr lang="en-US"/>
           </a:p>
@@ -606,7 +611,7 @@
           <a:p>
             <a:fld id="{15B473ED-1AB0-7C4D-9A48-20FDE82DA9B6}" type="datetime1">
               <a:rPr lang="en-US" smtClean="0"/>
-              <a:t>4/22/24</a:t>
+              <a:t>4/23/24</a:t>
             </a:fld>
             <a:endParaRPr lang="en-US"/>
           </a:p>
@@ -812,7 +817,7 @@
           <a:p>
             <a:fld id="{DFC3BD38-71A4-7E4A-917A-112EFE41F504}" type="datetime1">
               <a:rPr lang="en-US" smtClean="0"/>
-              <a:t>4/22/24</a:t>
+              <a:t>4/23/24</a:t>
             </a:fld>
             <a:endParaRPr lang="en-US"/>
           </a:p>
@@ -1028,7 +1033,7 @@
           <a:p>
             <a:fld id="{BD1154E3-9BDA-E540-B46C-75A09CB4E59B}" type="datetime1">
               <a:rPr lang="en-US" smtClean="0"/>
-              <a:t>4/22/24</a:t>
+              <a:t>4/23/24</a:t>
             </a:fld>
             <a:endParaRPr lang="en-US"/>
           </a:p>
@@ -1234,7 +1239,7 @@
           <a:p>
             <a:fld id="{6C922101-57C7-2349-9488-72333B5C4E83}" type="datetime1">
               <a:rPr lang="en-US" smtClean="0"/>
-              <a:t>4/22/24</a:t>
+              <a:t>4/23/24</a:t>
             </a:fld>
             <a:endParaRPr lang="en-US"/>
           </a:p>
@@ -1517,7 +1522,7 @@
           <a:p>
             <a:fld id="{A13A811B-A136-B649-B91E-CC2D39664166}" type="datetime1">
               <a:rPr lang="en-US" smtClean="0"/>
-              <a:t>4/22/24</a:t>
+              <a:t>4/23/24</a:t>
             </a:fld>
             <a:endParaRPr lang="en-US"/>
           </a:p>
@@ -1790,7 +1795,7 @@
           <a:p>
             <a:fld id="{64D5F447-055E-804F-ACE4-216FF1AF9BE5}" type="datetime1">
               <a:rPr lang="en-US" smtClean="0"/>
-              <a:t>4/22/24</a:t>
+              <a:t>4/23/24</a:t>
             </a:fld>
             <a:endParaRPr lang="en-US"/>
           </a:p>
@@ -2210,7 +2215,7 @@
           <a:p>
             <a:fld id="{CE28606A-50A2-5D43-AD78-2BA97DBAA84A}" type="datetime1">
               <a:rPr lang="en-US" smtClean="0"/>
-              <a:t>4/22/24</a:t>
+              <a:t>4/23/24</a:t>
             </a:fld>
             <a:endParaRPr lang="en-US"/>
           </a:p>
@@ -2359,7 +2364,7 @@
           <a:p>
             <a:fld id="{3722C580-C861-954C-95B0-DE92B9CADBA2}" type="datetime1">
               <a:rPr lang="en-US" smtClean="0"/>
-              <a:t>4/22/24</a:t>
+              <a:t>4/23/24</a:t>
             </a:fld>
             <a:endParaRPr lang="en-US"/>
           </a:p>
@@ -2480,7 +2485,7 @@
           <a:p>
             <a:fld id="{DB159427-6BEF-D549-B286-8E089232013F}" type="datetime1">
               <a:rPr lang="en-US" smtClean="0"/>
-              <a:t>4/22/24</a:t>
+              <a:t>4/23/24</a:t>
             </a:fld>
             <a:endParaRPr lang="en-US"/>
           </a:p>
@@ -2799,7 +2804,7 @@
           <a:p>
             <a:fld id="{748300F6-97FA-3B4C-A04E-4FC994B8AEF3}" type="datetime1">
               <a:rPr lang="en-US" smtClean="0"/>
-              <a:t>4/22/24</a:t>
+              <a:t>4/23/24</a:t>
             </a:fld>
             <a:endParaRPr lang="en-US"/>
           </a:p>
@@ -3095,7 +3100,7 @@
           <a:p>
             <a:fld id="{E8786ED5-9B20-E045-B70D-E95269D59D62}" type="datetime1">
               <a:rPr lang="en-US" smtClean="0"/>
-              <a:t>4/22/24</a:t>
+              <a:t>4/23/24</a:t>
             </a:fld>
             <a:endParaRPr lang="en-US"/>
           </a:p>
@@ -3344,7 +3349,7 @@
           <a:p>
             <a:fld id="{7530A176-1598-0948-9228-0C7AF68B5132}" type="datetime1">
               <a:rPr lang="en-US" smtClean="0"/>
-              <a:t>4/22/24</a:t>
+              <a:t>4/23/24</a:t>
             </a:fld>
             <a:endParaRPr lang="en-US"/>
           </a:p>
@@ -3799,10 +3804,10 @@
       </p:grpSpPr>
       <p:sp>
         <p:nvSpPr>
-          <p:cNvPr id="8" name="TextBox 7">
-            <a:extLst>
-              <a:ext uri="{FF2B5EF4-FFF2-40B4-BE49-F238E27FC236}">
-                <a16:creationId xmlns:a16="http://schemas.microsoft.com/office/drawing/2014/main" id="{7E25FBA3-E08E-5078-573E-F2DC0DBA9F38}"/>
+          <p:cNvPr id="9" name="TextBox 8">
+            <a:extLst>
+              <a:ext uri="{FF2B5EF4-FFF2-40B4-BE49-F238E27FC236}">
+                <a16:creationId xmlns:a16="http://schemas.microsoft.com/office/drawing/2014/main" id="{067AA35D-F04B-52D6-1A67-DBFCCA9AA1D4}"/>
               </a:ext>
             </a:extLst>
           </p:cNvPr>
@@ -3811,8 +3816,8 @@
         </p:nvSpPr>
         <p:spPr>
           <a:xfrm>
-            <a:off x="469557" y="951470"/>
-            <a:ext cx="3842951" cy="338554"/>
+            <a:off x="424248" y="936426"/>
+            <a:ext cx="4067742" cy="2185214"/>
           </a:xfrm>
           <a:prstGeom prst="rect">
             <a:avLst/>
@@ -3826,36 +3831,66 @@
           </a:solidFill>
         </p:spPr>
         <p:txBody>
-          <a:bodyPr wrap="square" rtlCol="0">
+          <a:bodyPr wrap="square" numCol="1" rtlCol="0">
             <a:spAutoFit/>
           </a:bodyPr>
           <a:lstStyle/>
           <a:p>
-            <a:pPr algn="ctr"/>
-            <a:r>
-              <a:rPr lang="en-US" sz="1600" u="none" strike="noStrike" dirty="0">
+            <a:r>
+              <a:rPr lang="en-US" sz="1600" b="1" i="0" u="none" strike="noStrike" dirty="0">
+                <a:solidFill>
+                  <a:schemeClr val="accent1">
+                    <a:lumMod val="75000"/>
+                  </a:schemeClr>
+                </a:solidFill>
+                <a:effectLst/>
+                <a:latin typeface="Times New Roman" panose="02020603050405020304" pitchFamily="18" charset="0"/>
+              </a:rPr>
+              <a:t>Problem Statement</a:t>
+            </a:r>
+          </a:p>
+          <a:p>
+            <a:endParaRPr lang="en-US" sz="1200" b="1" i="0" u="none" strike="noStrike" dirty="0">
+              <a:solidFill>
+                <a:schemeClr val="accent1">
+                  <a:lumMod val="75000"/>
+                </a:schemeClr>
+              </a:solidFill>
+              <a:effectLst/>
+              <a:latin typeface="Times New Roman" panose="02020603050405020304" pitchFamily="18" charset="0"/>
+            </a:endParaRPr>
+          </a:p>
+          <a:p>
+            <a:pPr algn="just"/>
+            <a:r>
+              <a:rPr lang="en-US" sz="1200" i="0" u="none" strike="noStrike" dirty="0">
                 <a:solidFill>
                   <a:srgbClr val="000000"/>
                 </a:solidFill>
                 <a:effectLst/>
                 <a:latin typeface="Times New Roman" panose="02020603050405020304" pitchFamily="18" charset="0"/>
-                <a:cs typeface="Times New Roman" panose="02020603050405020304" pitchFamily="18" charset="0"/>
               </a:rPr>
-              <a:t>Introduction</a:t>
-            </a:r>
-            <a:endParaRPr lang="en-US" sz="1600" dirty="0">
-              <a:latin typeface="Times New Roman" panose="02020603050405020304" pitchFamily="18" charset="0"/>
-              <a:cs typeface="Times New Roman" panose="02020603050405020304" pitchFamily="18" charset="0"/>
-            </a:endParaRPr>
-          </a:p>
-        </p:txBody>
-      </p:sp>
-      <p:sp>
-        <p:nvSpPr>
-          <p:cNvPr id="9" name="TextBox 8">
-            <a:extLst>
-              <a:ext uri="{FF2B5EF4-FFF2-40B4-BE49-F238E27FC236}">
-                <a16:creationId xmlns:a16="http://schemas.microsoft.com/office/drawing/2014/main" id="{067AA35D-F04B-52D6-1A67-DBFCCA9AA1D4}"/>
+              <a:t>Analyzing the factors influence solar irradiation sources and forecasting the electric power generation using ML algorithms. </a:t>
+            </a:r>
+            <a:r>
+              <a:rPr lang="en-US" sz="1200" b="0" i="0" u="none" strike="noStrike" dirty="0">
+                <a:solidFill>
+                  <a:srgbClr val="000000"/>
+                </a:solidFill>
+                <a:effectLst/>
+                <a:latin typeface="Times New Roman" panose="02020603050405020304" pitchFamily="18" charset="0"/>
+              </a:rPr>
+              <a:t>The variability of environmental conditions, such as temperature, and the episodic nature of renewable energy sources present a significant challenge in maximizing solar power production. Learning the factors influence the generation of solar power is essential to enhance the electric power production and contribution to the energy network, thus enabling the shift to a more sustainable energy.</a:t>
+            </a:r>
+          </a:p>
+        </p:txBody>
+      </p:sp>
+      <p:sp>
+        <p:nvSpPr>
+          <p:cNvPr id="11" name="TextBox 10">
+            <a:extLst>
+              <a:ext uri="{FF2B5EF4-FFF2-40B4-BE49-F238E27FC236}">
+                <a16:creationId xmlns:a16="http://schemas.microsoft.com/office/drawing/2014/main" id="{3431F0DF-9AC7-2B64-B5BD-7884E4BB138A}"/>
               </a:ext>
             </a:extLst>
           </p:cNvPr>
@@ -3864,8 +3899,8 @@
         </p:nvSpPr>
         <p:spPr>
           <a:xfrm>
-            <a:off x="469556" y="1527430"/>
-            <a:ext cx="3842951" cy="2800767"/>
+            <a:off x="421161" y="3325282"/>
+            <a:ext cx="4067742" cy="2985433"/>
           </a:xfrm>
           <a:prstGeom prst="rect">
             <a:avLst/>
@@ -3884,79 +3919,105 @@
           </a:bodyPr>
           <a:lstStyle/>
           <a:p>
+            <a:pPr algn="just"/>
+            <a:r>
+              <a:rPr lang="en-US" sz="1600" b="1" dirty="0">
+                <a:solidFill>
+                  <a:schemeClr val="accent1">
+                    <a:lumMod val="75000"/>
+                  </a:schemeClr>
+                </a:solidFill>
+                <a:latin typeface="Times New Roman" panose="02020603050405020304" pitchFamily="18" charset="0"/>
+                <a:cs typeface="Times New Roman" panose="02020603050405020304" pitchFamily="18" charset="0"/>
+              </a:rPr>
+              <a:t>Data</a:t>
+            </a:r>
+          </a:p>
+          <a:p>
+            <a:pPr algn="just"/>
             <a:endParaRPr lang="en-US" sz="1600" dirty="0">
               <a:latin typeface="Times New Roman" panose="02020603050405020304" pitchFamily="18" charset="0"/>
               <a:cs typeface="Times New Roman" panose="02020603050405020304" pitchFamily="18" charset="0"/>
             </a:endParaRPr>
           </a:p>
           <a:p>
-            <a:endParaRPr lang="en-US" sz="1600" dirty="0">
+            <a:pPr algn="just"/>
+            <a:r>
+              <a:rPr lang="en-US" sz="1200" dirty="0">
+                <a:latin typeface="Times New Roman" panose="02020603050405020304" pitchFamily="18" charset="0"/>
+                <a:cs typeface="Times New Roman" panose="02020603050405020304" pitchFamily="18" charset="0"/>
+              </a:rPr>
+              <a:t>The open sources come from the U.S. Energy Information Administration and the National Solar Radiation Database. </a:t>
+            </a:r>
+          </a:p>
+          <a:p>
+            <a:pPr algn="just"/>
+            <a:endParaRPr lang="en-US" sz="1200" dirty="0">
               <a:latin typeface="Times New Roman" panose="02020603050405020304" pitchFamily="18" charset="0"/>
               <a:cs typeface="Times New Roman" panose="02020603050405020304" pitchFamily="18" charset="0"/>
             </a:endParaRPr>
           </a:p>
           <a:p>
-            <a:endParaRPr lang="en-US" sz="1600" dirty="0">
+            <a:pPr marL="171450" indent="-171450" algn="just">
+              <a:buFont typeface="Wingdings" pitchFamily="2" charset="2"/>
+              <a:buChar char="Ø"/>
+            </a:pPr>
+            <a:r>
+              <a:rPr lang="en-US" sz="1200" dirty="0">
+                <a:latin typeface="Times New Roman" panose="02020603050405020304" pitchFamily="18" charset="0"/>
+                <a:cs typeface="Times New Roman" panose="02020603050405020304" pitchFamily="18" charset="0"/>
+              </a:rPr>
+              <a:t>Net generation of electric power dataset from EIA includes the monthly net generation for all utility-scale solar in Virginia from Jan 2001 to Jan 2024. </a:t>
+            </a:r>
+          </a:p>
+          <a:p>
+            <a:pPr algn="just"/>
+            <a:endParaRPr lang="en-US" sz="1200" dirty="0">
               <a:latin typeface="Times New Roman" panose="02020603050405020304" pitchFamily="18" charset="0"/>
               <a:cs typeface="Times New Roman" panose="02020603050405020304" pitchFamily="18" charset="0"/>
             </a:endParaRPr>
           </a:p>
           <a:p>
-            <a:endParaRPr lang="en-US" sz="1600" dirty="0">
+            <a:pPr marL="171450" indent="-171450" algn="just">
+              <a:buFont typeface="Wingdings" pitchFamily="2" charset="2"/>
+              <a:buChar char="Ø"/>
+            </a:pPr>
+            <a:r>
+              <a:rPr lang="en-US" sz="1200" dirty="0">
+                <a:latin typeface="Times New Roman" panose="02020603050405020304" pitchFamily="18" charset="0"/>
+                <a:cs typeface="Times New Roman" panose="02020603050405020304" pitchFamily="18" charset="0"/>
+              </a:rPr>
+              <a:t>Solar irradiation dataset from NSRDB include the temporal parameters, solar irradiation parameters, and atmospheric parameters in Virginia from Jan 2019 to Dec 2023. </a:t>
+            </a:r>
+          </a:p>
+          <a:p>
+            <a:pPr marL="171450" indent="-171450" algn="just">
+              <a:buFont typeface="Wingdings" pitchFamily="2" charset="2"/>
+              <a:buChar char="Ø"/>
+            </a:pPr>
+            <a:endParaRPr lang="en-US" sz="1200" dirty="0">
               <a:latin typeface="Times New Roman" panose="02020603050405020304" pitchFamily="18" charset="0"/>
               <a:cs typeface="Times New Roman" panose="02020603050405020304" pitchFamily="18" charset="0"/>
             </a:endParaRPr>
           </a:p>
           <a:p>
-            <a:endParaRPr lang="en-US" sz="1600" dirty="0">
-              <a:latin typeface="Times New Roman" panose="02020603050405020304" pitchFamily="18" charset="0"/>
-              <a:cs typeface="Times New Roman" panose="02020603050405020304" pitchFamily="18" charset="0"/>
-            </a:endParaRPr>
-          </a:p>
-          <a:p>
-            <a:endParaRPr lang="en-US" sz="1600" dirty="0">
-              <a:latin typeface="Times New Roman" panose="02020603050405020304" pitchFamily="18" charset="0"/>
-              <a:cs typeface="Times New Roman" panose="02020603050405020304" pitchFamily="18" charset="0"/>
-            </a:endParaRPr>
-          </a:p>
-          <a:p>
-            <a:endParaRPr lang="en-US" sz="1600" dirty="0">
-              <a:latin typeface="Times New Roman" panose="02020603050405020304" pitchFamily="18" charset="0"/>
-              <a:cs typeface="Times New Roman" panose="02020603050405020304" pitchFamily="18" charset="0"/>
-            </a:endParaRPr>
-          </a:p>
-          <a:p>
-            <a:endParaRPr lang="en-US" sz="1600" dirty="0">
-              <a:latin typeface="Times New Roman" panose="02020603050405020304" pitchFamily="18" charset="0"/>
-              <a:cs typeface="Times New Roman" panose="02020603050405020304" pitchFamily="18" charset="0"/>
-            </a:endParaRPr>
-          </a:p>
-          <a:p>
-            <a:endParaRPr lang="en-US" sz="1600" dirty="0">
-              <a:latin typeface="Times New Roman" panose="02020603050405020304" pitchFamily="18" charset="0"/>
-              <a:cs typeface="Times New Roman" panose="02020603050405020304" pitchFamily="18" charset="0"/>
-            </a:endParaRPr>
-          </a:p>
-          <a:p>
-            <a:endParaRPr lang="en-US" sz="1600" dirty="0">
-              <a:latin typeface="Times New Roman" panose="02020603050405020304" pitchFamily="18" charset="0"/>
-              <a:cs typeface="Times New Roman" panose="02020603050405020304" pitchFamily="18" charset="0"/>
-            </a:endParaRPr>
-          </a:p>
-          <a:p>
-            <a:endParaRPr lang="en-US" sz="1600" dirty="0">
-              <a:latin typeface="Times New Roman" panose="02020603050405020304" pitchFamily="18" charset="0"/>
-              <a:cs typeface="Times New Roman" panose="02020603050405020304" pitchFamily="18" charset="0"/>
-            </a:endParaRPr>
-          </a:p>
-        </p:txBody>
-      </p:sp>
-      <p:sp>
-        <p:nvSpPr>
-          <p:cNvPr id="10" name="TextBox 9">
-            <a:extLst>
-              <a:ext uri="{FF2B5EF4-FFF2-40B4-BE49-F238E27FC236}">
-                <a16:creationId xmlns:a16="http://schemas.microsoft.com/office/drawing/2014/main" id="{9B968891-7C5D-4B8C-AF7D-CAA8ACD8A372}"/>
+            <a:pPr algn="just"/>
+            <a:r>
+              <a:rPr lang="en-US" sz="1200" dirty="0">
+                <a:latin typeface="Times New Roman" panose="02020603050405020304" pitchFamily="18" charset="0"/>
+                <a:cs typeface="Times New Roman" panose="02020603050405020304" pitchFamily="18" charset="0"/>
+              </a:rPr>
+              <a:t>The target variables for this project is GHI (Global Horizontal Irradiance) and the Net Generation. </a:t>
+            </a:r>
+          </a:p>
+        </p:txBody>
+      </p:sp>
+      <p:sp>
+        <p:nvSpPr>
+          <p:cNvPr id="14" name="TextBox 13">
+            <a:extLst>
+              <a:ext uri="{FF2B5EF4-FFF2-40B4-BE49-F238E27FC236}">
+                <a16:creationId xmlns:a16="http://schemas.microsoft.com/office/drawing/2014/main" id="{60432A85-FC56-E14A-8EB7-5AA34AC33BB8}"/>
               </a:ext>
             </a:extLst>
           </p:cNvPr>
@@ -3965,8 +4026,8 @@
         </p:nvSpPr>
         <p:spPr>
           <a:xfrm>
-            <a:off x="469555" y="4837670"/>
-            <a:ext cx="3842951" cy="338554"/>
+            <a:off x="4835611" y="936426"/>
+            <a:ext cx="5828270" cy="2616101"/>
           </a:xfrm>
           <a:prstGeom prst="rect">
             <a:avLst/>
@@ -3985,42 +4046,43 @@
           </a:bodyPr>
           <a:lstStyle/>
           <a:p>
-            <a:pPr algn="ctr"/>
-            <a:r>
-              <a:rPr lang="en-US" sz="1600" u="none" strike="noStrike" dirty="0">
+            <a:r>
+              <a:rPr lang="en-US" sz="1600" b="1" dirty="0">
                 <a:solidFill>
-                  <a:srgbClr val="000000"/>
+                  <a:schemeClr val="accent1">
+                    <a:lumMod val="75000"/>
+                  </a:schemeClr>
                 </a:solidFill>
-                <a:effectLst/>
                 <a:latin typeface="Times New Roman" panose="02020603050405020304" pitchFamily="18" charset="0"/>
                 <a:cs typeface="Times New Roman" panose="02020603050405020304" pitchFamily="18" charset="0"/>
               </a:rPr>
-              <a:t>Data</a:t>
-            </a:r>
-            <a:r>
-              <a:rPr lang="zh-CN" altLang="en-US" sz="1600" u="none" strike="noStrike" dirty="0">
-                <a:solidFill>
-                  <a:srgbClr val="000000"/>
-                </a:solidFill>
-                <a:effectLst/>
-                <a:latin typeface="Times New Roman" panose="02020603050405020304" pitchFamily="18" charset="0"/>
-                <a:cs typeface="Times New Roman" panose="02020603050405020304" pitchFamily="18" charset="0"/>
-              </a:rPr>
-              <a:t> </a:t>
-            </a:r>
+              <a:t>Methods</a:t>
+            </a:r>
+          </a:p>
+          <a:p>
             <a:endParaRPr lang="en-US" sz="1600" dirty="0">
               <a:latin typeface="Times New Roman" panose="02020603050405020304" pitchFamily="18" charset="0"/>
               <a:cs typeface="Times New Roman" panose="02020603050405020304" pitchFamily="18" charset="0"/>
             </a:endParaRPr>
           </a:p>
-        </p:txBody>
-      </p:sp>
-      <p:sp>
-        <p:nvSpPr>
-          <p:cNvPr id="11" name="TextBox 10">
-            <a:extLst>
-              <a:ext uri="{FF2B5EF4-FFF2-40B4-BE49-F238E27FC236}">
-                <a16:creationId xmlns:a16="http://schemas.microsoft.com/office/drawing/2014/main" id="{3431F0DF-9AC7-2B64-B5BD-7884E4BB138A}"/>
+          <a:p>
+            <a:pPr algn="just"/>
+            <a:r>
+              <a:rPr lang="en-US" sz="1200" dirty="0">
+                <a:latin typeface="Times New Roman" panose="02020603050405020304" pitchFamily="18" charset="0"/>
+                <a:cs typeface="Times New Roman" panose="02020603050405020304" pitchFamily="18" charset="0"/>
+              </a:rPr>
+              <a:t>The research starts by accessing the data and data processing by detecting missing values, pivoting, and merging dataset. The general behavior among variables is depicted by graphs and visualization tools. Data time aggregation is carried out by hour, month and year. Before applying the TS algorithms, a feature importance evaluation is performed, looking for the most significant features that explain the relationship between the target variable and the others. In this process, implementing gradient boost, XGboost, and other models to handle categorical variables natively and provide feature importance scores. After adjusting  the hyperparameters, Model with lowest MSE will be chose to provide the important features. Then, applying selected feature (option A) and applying all features (option B) to the TS algorithms. Model with the lowest MSE will be selected to present the prediction of net generation and solar irradiation. (The research flow is shown as Figure 1.)</a:t>
+            </a:r>
+          </a:p>
+        </p:txBody>
+      </p:sp>
+      <p:sp>
+        <p:nvSpPr>
+          <p:cNvPr id="16" name="TextBox 15">
+            <a:extLst>
+              <a:ext uri="{FF2B5EF4-FFF2-40B4-BE49-F238E27FC236}">
+                <a16:creationId xmlns:a16="http://schemas.microsoft.com/office/drawing/2014/main" id="{8C430926-057B-2741-FCA6-6D817C6CE84A}"/>
               </a:ext>
             </a:extLst>
           </p:cNvPr>
@@ -4029,120 +4091,7 @@
         </p:nvSpPr>
         <p:spPr>
           <a:xfrm>
-            <a:off x="469555" y="5359730"/>
-            <a:ext cx="3842951" cy="3293209"/>
-          </a:xfrm>
-          <a:prstGeom prst="rect">
-            <a:avLst/>
-          </a:prstGeom>
-          <a:solidFill>
-            <a:schemeClr val="accent1">
-              <a:lumMod val="20000"/>
-              <a:lumOff val="80000"/>
-              <a:alpha val="89667"/>
-            </a:schemeClr>
-          </a:solidFill>
-        </p:spPr>
-        <p:txBody>
-          <a:bodyPr wrap="square" rtlCol="0">
-            <a:spAutoFit/>
-          </a:bodyPr>
-          <a:lstStyle/>
-          <a:p>
-            <a:endParaRPr lang="en-US" sz="1600" dirty="0">
-              <a:latin typeface="Times New Roman" panose="02020603050405020304" pitchFamily="18" charset="0"/>
-              <a:cs typeface="Times New Roman" panose="02020603050405020304" pitchFamily="18" charset="0"/>
-            </a:endParaRPr>
-          </a:p>
-          <a:p>
-            <a:endParaRPr lang="en-US" sz="1600" dirty="0">
-              <a:latin typeface="Times New Roman" panose="02020603050405020304" pitchFamily="18" charset="0"/>
-              <a:cs typeface="Times New Roman" panose="02020603050405020304" pitchFamily="18" charset="0"/>
-            </a:endParaRPr>
-          </a:p>
-          <a:p>
-            <a:endParaRPr lang="en-US" sz="1600" dirty="0">
-              <a:latin typeface="Times New Roman" panose="02020603050405020304" pitchFamily="18" charset="0"/>
-              <a:cs typeface="Times New Roman" panose="02020603050405020304" pitchFamily="18" charset="0"/>
-            </a:endParaRPr>
-          </a:p>
-          <a:p>
-            <a:endParaRPr lang="en-US" sz="1600" dirty="0">
-              <a:latin typeface="Times New Roman" panose="02020603050405020304" pitchFamily="18" charset="0"/>
-              <a:cs typeface="Times New Roman" panose="02020603050405020304" pitchFamily="18" charset="0"/>
-            </a:endParaRPr>
-          </a:p>
-          <a:p>
-            <a:endParaRPr lang="en-US" sz="1600" dirty="0">
-              <a:latin typeface="Times New Roman" panose="02020603050405020304" pitchFamily="18" charset="0"/>
-              <a:cs typeface="Times New Roman" panose="02020603050405020304" pitchFamily="18" charset="0"/>
-            </a:endParaRPr>
-          </a:p>
-          <a:p>
-            <a:endParaRPr lang="en-US" sz="1600" dirty="0">
-              <a:latin typeface="Times New Roman" panose="02020603050405020304" pitchFamily="18" charset="0"/>
-              <a:cs typeface="Times New Roman" panose="02020603050405020304" pitchFamily="18" charset="0"/>
-            </a:endParaRPr>
-          </a:p>
-          <a:p>
-            <a:endParaRPr lang="en-US" sz="1600" dirty="0">
-              <a:latin typeface="Times New Roman" panose="02020603050405020304" pitchFamily="18" charset="0"/>
-              <a:cs typeface="Times New Roman" panose="02020603050405020304" pitchFamily="18" charset="0"/>
-            </a:endParaRPr>
-          </a:p>
-          <a:p>
-            <a:endParaRPr lang="en-US" sz="1600" dirty="0">
-              <a:latin typeface="Times New Roman" panose="02020603050405020304" pitchFamily="18" charset="0"/>
-              <a:cs typeface="Times New Roman" panose="02020603050405020304" pitchFamily="18" charset="0"/>
-            </a:endParaRPr>
-          </a:p>
-          <a:p>
-            <a:endParaRPr lang="en-US" sz="1600" dirty="0">
-              <a:latin typeface="Times New Roman" panose="02020603050405020304" pitchFamily="18" charset="0"/>
-              <a:cs typeface="Times New Roman" panose="02020603050405020304" pitchFamily="18" charset="0"/>
-            </a:endParaRPr>
-          </a:p>
-          <a:p>
-            <a:endParaRPr lang="en-US" sz="1600" dirty="0">
-              <a:latin typeface="Times New Roman" panose="02020603050405020304" pitchFamily="18" charset="0"/>
-              <a:cs typeface="Times New Roman" panose="02020603050405020304" pitchFamily="18" charset="0"/>
-            </a:endParaRPr>
-          </a:p>
-          <a:p>
-            <a:endParaRPr lang="en-US" sz="1600" dirty="0">
-              <a:latin typeface="Times New Roman" panose="02020603050405020304" pitchFamily="18" charset="0"/>
-              <a:cs typeface="Times New Roman" panose="02020603050405020304" pitchFamily="18" charset="0"/>
-            </a:endParaRPr>
-          </a:p>
-          <a:p>
-            <a:endParaRPr lang="en-US" sz="1600" dirty="0">
-              <a:latin typeface="Times New Roman" panose="02020603050405020304" pitchFamily="18" charset="0"/>
-              <a:cs typeface="Times New Roman" panose="02020603050405020304" pitchFamily="18" charset="0"/>
-            </a:endParaRPr>
-          </a:p>
-          <a:p>
-            <a:endParaRPr lang="en-US" sz="1600" dirty="0">
-              <a:latin typeface="Times New Roman" panose="02020603050405020304" pitchFamily="18" charset="0"/>
-              <a:cs typeface="Times New Roman" panose="02020603050405020304" pitchFamily="18" charset="0"/>
-            </a:endParaRPr>
-          </a:p>
-        </p:txBody>
-      </p:sp>
-      <p:sp>
-        <p:nvSpPr>
-          <p:cNvPr id="13" name="TextBox 12">
-            <a:extLst>
-              <a:ext uri="{FF2B5EF4-FFF2-40B4-BE49-F238E27FC236}">
-                <a16:creationId xmlns:a16="http://schemas.microsoft.com/office/drawing/2014/main" id="{949CFBD4-71C1-6E34-9026-7AB87FD6D1DF}"/>
-              </a:ext>
-            </a:extLst>
-          </p:cNvPr>
-          <p:cNvSpPr txBox="1"/>
-          <p:nvPr/>
-        </p:nvSpPr>
-        <p:spPr>
-          <a:xfrm>
-            <a:off x="4835611" y="951470"/>
+            <a:off x="4829437" y="3723109"/>
             <a:ext cx="5828270" cy="338554"/>
           </a:xfrm>
           <a:prstGeom prst="rect">
@@ -4162,27 +4111,37 @@
           </a:bodyPr>
           <a:lstStyle/>
           <a:p>
-            <a:pPr algn="ctr"/>
-            <a:r>
-              <a:rPr lang="en-US" sz="1600" u="none" strike="noStrike" dirty="0">
+            <a:r>
+              <a:rPr lang="en-US" sz="1600" b="1" u="none" strike="noStrike" dirty="0">
                 <a:solidFill>
-                  <a:srgbClr val="000000"/>
+                  <a:schemeClr val="accent1">
+                    <a:lumMod val="75000"/>
+                  </a:schemeClr>
                 </a:solidFill>
                 <a:effectLst/>
                 <a:latin typeface="Times New Roman" panose="02020603050405020304" pitchFamily="18" charset="0"/>
                 <a:cs typeface="Times New Roman" panose="02020603050405020304" pitchFamily="18" charset="0"/>
               </a:rPr>
-              <a:t>Methods</a:t>
-            </a:r>
-          </a:p>
-        </p:txBody>
-      </p:sp>
-      <p:sp>
-        <p:nvSpPr>
-          <p:cNvPr id="14" name="TextBox 13">
-            <a:extLst>
-              <a:ext uri="{FF2B5EF4-FFF2-40B4-BE49-F238E27FC236}">
-                <a16:creationId xmlns:a16="http://schemas.microsoft.com/office/drawing/2014/main" id="{60432A85-FC56-E14A-8EB7-5AA34AC33BB8}"/>
+              <a:t>Evaluation metrics and Results</a:t>
+            </a:r>
+            <a:endParaRPr lang="en-US" sz="1600" b="1" dirty="0">
+              <a:solidFill>
+                <a:schemeClr val="accent1">
+                  <a:lumMod val="75000"/>
+                </a:schemeClr>
+              </a:solidFill>
+              <a:latin typeface="Times New Roman" panose="02020603050405020304" pitchFamily="18" charset="0"/>
+              <a:cs typeface="Times New Roman" panose="02020603050405020304" pitchFamily="18" charset="0"/>
+            </a:endParaRPr>
+          </a:p>
+        </p:txBody>
+      </p:sp>
+      <p:sp>
+        <p:nvSpPr>
+          <p:cNvPr id="20" name="TextBox 19">
+            <a:extLst>
+              <a:ext uri="{FF2B5EF4-FFF2-40B4-BE49-F238E27FC236}">
+                <a16:creationId xmlns:a16="http://schemas.microsoft.com/office/drawing/2014/main" id="{679F2F46-2B8D-B995-6258-0AF6E666A7F5}"/>
               </a:ext>
             </a:extLst>
           </p:cNvPr>
@@ -4191,8 +4150,8 @@
         </p:nvSpPr>
         <p:spPr>
           <a:xfrm>
-            <a:off x="4835611" y="1556951"/>
-            <a:ext cx="5828270" cy="2800767"/>
+            <a:off x="11007502" y="919374"/>
+            <a:ext cx="4191038" cy="3354765"/>
           </a:xfrm>
           <a:prstGeom prst="rect">
             <a:avLst/>
@@ -4211,79 +4170,61 @@
           </a:bodyPr>
           <a:lstStyle/>
           <a:p>
+            <a:r>
+              <a:rPr lang="en-US" sz="1600" b="1" dirty="0">
+                <a:solidFill>
+                  <a:schemeClr val="accent1">
+                    <a:lumMod val="75000"/>
+                  </a:schemeClr>
+                </a:solidFill>
+                <a:latin typeface="Times New Roman" panose="02020603050405020304" pitchFamily="18" charset="0"/>
+                <a:cs typeface="Times New Roman" panose="02020603050405020304" pitchFamily="18" charset="0"/>
+              </a:rPr>
+              <a:t>Discussion</a:t>
+            </a:r>
+          </a:p>
+          <a:p>
             <a:endParaRPr lang="en-US" sz="1600" dirty="0">
               <a:latin typeface="Times New Roman" panose="02020603050405020304" pitchFamily="18" charset="0"/>
               <a:cs typeface="Times New Roman" panose="02020603050405020304" pitchFamily="18" charset="0"/>
             </a:endParaRPr>
           </a:p>
           <a:p>
+            <a:r>
+              <a:rPr lang="en-US" sz="1200" dirty="0">
+                <a:latin typeface="Times New Roman" panose="02020603050405020304" pitchFamily="18" charset="0"/>
+                <a:cs typeface="Times New Roman" panose="02020603050405020304" pitchFamily="18" charset="0"/>
+              </a:rPr>
+              <a:t>By employing a SARIMA model, trained with historical data and exogenous variables, the study successfully forecast the future tendency of power generation. In the future 24 months, the net electric power generation by solar  is uptrend even though fluctuated. The findings have significant implications for energy stakeholders, enabling informed decision-making regarding energy production and distribution.</a:t>
+            </a:r>
+          </a:p>
+          <a:p>
+            <a:endParaRPr lang="en-US" sz="1200" dirty="0">
+              <a:latin typeface="Times New Roman" panose="02020603050405020304" pitchFamily="18" charset="0"/>
+              <a:cs typeface="Times New Roman" panose="02020603050405020304" pitchFamily="18" charset="0"/>
+            </a:endParaRPr>
+          </a:p>
+          <a:p>
+            <a:r>
+              <a:rPr lang="en-US" sz="1200" dirty="0">
+                <a:latin typeface="Times New Roman" panose="02020603050405020304" pitchFamily="18" charset="0"/>
+                <a:cs typeface="Times New Roman" panose="02020603050405020304" pitchFamily="18" charset="0"/>
+              </a:rPr>
+              <a:t>However, the power generation is a complex task and weather condition is a part of influence. Future study could extend the research by focusing on the parameters in solar PV plants and could include data of consumption and total generation. Since the data is net generation, we have limitation in understanding whether the total generation goes up or the total consumption goes low. </a:t>
+            </a:r>
             <a:endParaRPr lang="en-US" sz="1600" dirty="0">
               <a:latin typeface="Times New Roman" panose="02020603050405020304" pitchFamily="18" charset="0"/>
               <a:cs typeface="Times New Roman" panose="02020603050405020304" pitchFamily="18" charset="0"/>
             </a:endParaRPr>
           </a:p>
-          <a:p>
-            <a:endParaRPr lang="en-US" sz="1600" dirty="0">
-              <a:latin typeface="Times New Roman" panose="02020603050405020304" pitchFamily="18" charset="0"/>
-              <a:cs typeface="Times New Roman" panose="02020603050405020304" pitchFamily="18" charset="0"/>
-            </a:endParaRPr>
-          </a:p>
-          <a:p>
-            <a:endParaRPr lang="en-US" sz="1600" dirty="0">
-              <a:latin typeface="Times New Roman" panose="02020603050405020304" pitchFamily="18" charset="0"/>
-              <a:cs typeface="Times New Roman" panose="02020603050405020304" pitchFamily="18" charset="0"/>
-            </a:endParaRPr>
-          </a:p>
-          <a:p>
-            <a:endParaRPr lang="en-US" sz="1600" dirty="0">
-              <a:latin typeface="Times New Roman" panose="02020603050405020304" pitchFamily="18" charset="0"/>
-              <a:cs typeface="Times New Roman" panose="02020603050405020304" pitchFamily="18" charset="0"/>
-            </a:endParaRPr>
-          </a:p>
-          <a:p>
-            <a:endParaRPr lang="en-US" sz="1600" dirty="0">
-              <a:latin typeface="Times New Roman" panose="02020603050405020304" pitchFamily="18" charset="0"/>
-              <a:cs typeface="Times New Roman" panose="02020603050405020304" pitchFamily="18" charset="0"/>
-            </a:endParaRPr>
-          </a:p>
-          <a:p>
-            <a:endParaRPr lang="en-US" sz="1600" dirty="0">
-              <a:latin typeface="Times New Roman" panose="02020603050405020304" pitchFamily="18" charset="0"/>
-              <a:cs typeface="Times New Roman" panose="02020603050405020304" pitchFamily="18" charset="0"/>
-            </a:endParaRPr>
-          </a:p>
-          <a:p>
-            <a:endParaRPr lang="en-US" sz="1600" dirty="0">
-              <a:latin typeface="Times New Roman" panose="02020603050405020304" pitchFamily="18" charset="0"/>
-              <a:cs typeface="Times New Roman" panose="02020603050405020304" pitchFamily="18" charset="0"/>
-            </a:endParaRPr>
-          </a:p>
-          <a:p>
-            <a:endParaRPr lang="en-US" sz="1600" dirty="0">
-              <a:latin typeface="Times New Roman" panose="02020603050405020304" pitchFamily="18" charset="0"/>
-              <a:cs typeface="Times New Roman" panose="02020603050405020304" pitchFamily="18" charset="0"/>
-            </a:endParaRPr>
-          </a:p>
-          <a:p>
-            <a:endParaRPr lang="en-US" sz="1600" dirty="0">
-              <a:latin typeface="Times New Roman" panose="02020603050405020304" pitchFamily="18" charset="0"/>
-              <a:cs typeface="Times New Roman" panose="02020603050405020304" pitchFamily="18" charset="0"/>
-            </a:endParaRPr>
-          </a:p>
-          <a:p>
-            <a:endParaRPr lang="en-US" sz="1600" dirty="0">
-              <a:latin typeface="Times New Roman" panose="02020603050405020304" pitchFamily="18" charset="0"/>
-              <a:cs typeface="Times New Roman" panose="02020603050405020304" pitchFamily="18" charset="0"/>
-            </a:endParaRPr>
-          </a:p>
-        </p:txBody>
-      </p:sp>
-      <p:sp>
-        <p:nvSpPr>
-          <p:cNvPr id="15" name="TextBox 14">
-            <a:extLst>
-              <a:ext uri="{FF2B5EF4-FFF2-40B4-BE49-F238E27FC236}">
-                <a16:creationId xmlns:a16="http://schemas.microsoft.com/office/drawing/2014/main" id="{07E8FC70-10FB-DA26-1071-3AE75BA4B47D}"/>
+        </p:txBody>
+      </p:sp>
+      <p:sp>
+        <p:nvSpPr>
+          <p:cNvPr id="24" name="TextBox 23">
+            <a:extLst>
+              <a:ext uri="{FF2B5EF4-FFF2-40B4-BE49-F238E27FC236}">
+                <a16:creationId xmlns:a16="http://schemas.microsoft.com/office/drawing/2014/main" id="{BE438582-4208-D947-3610-610DCA041920}"/>
               </a:ext>
             </a:extLst>
           </p:cNvPr>
@@ -4292,8 +4233,8 @@
         </p:nvSpPr>
         <p:spPr>
           <a:xfrm>
-            <a:off x="4835611" y="4848656"/>
-            <a:ext cx="5828270" cy="338554"/>
+            <a:off x="11030155" y="9072616"/>
+            <a:ext cx="4113050" cy="523220"/>
           </a:xfrm>
           <a:prstGeom prst="rect">
             <a:avLst/>
@@ -4312,31 +4253,1075 @@
           </a:bodyPr>
           <a:lstStyle/>
           <a:p>
-            <a:pPr algn="ctr"/>
-            <a:r>
-              <a:rPr lang="en-US" sz="1600" u="none" strike="noStrike" dirty="0">
+            <a:r>
+              <a:rPr lang="en-US" sz="1600" b="1" u="none" strike="noStrike" dirty="0">
                 <a:solidFill>
-                  <a:srgbClr val="000000"/>
+                  <a:schemeClr val="accent1">
+                    <a:lumMod val="75000"/>
+                  </a:schemeClr>
                 </a:solidFill>
                 <a:effectLst/>
                 <a:latin typeface="Times New Roman" panose="02020603050405020304" pitchFamily="18" charset="0"/>
                 <a:cs typeface="Times New Roman" panose="02020603050405020304" pitchFamily="18" charset="0"/>
               </a:rPr>
-              <a:t>Evaluation metrics and Results</a:t>
-            </a:r>
-            <a:endParaRPr lang="en-US" sz="1600" dirty="0">
-              <a:latin typeface="Times New Roman" panose="02020603050405020304" pitchFamily="18" charset="0"/>
-              <a:cs typeface="Times New Roman" panose="02020603050405020304" pitchFamily="18" charset="0"/>
+              <a:t>Carbon cost</a:t>
+            </a:r>
+          </a:p>
+          <a:p>
+            <a:r>
+              <a:rPr lang="en-US" sz="1200" dirty="0">
+                <a:latin typeface="Times New Roman" panose="02020603050405020304" pitchFamily="18" charset="0"/>
+                <a:cs typeface="Times New Roman" panose="02020603050405020304" pitchFamily="18" charset="0"/>
+              </a:rPr>
+              <a:t>The total emission for this project is 2.04e-03.</a:t>
+            </a:r>
+          </a:p>
+        </p:txBody>
+      </p:sp>
+      <p:sp>
+        <p:nvSpPr>
+          <p:cNvPr id="28" name="Rectangle 27">
+            <a:extLst>
+              <a:ext uri="{FF2B5EF4-FFF2-40B4-BE49-F238E27FC236}">
+                <a16:creationId xmlns:a16="http://schemas.microsoft.com/office/drawing/2014/main" id="{3754EAC1-56A5-1956-54EC-F116C1E36C74}"/>
+              </a:ext>
+            </a:extLst>
+          </p:cNvPr>
+          <p:cNvSpPr/>
+          <p:nvPr/>
+        </p:nvSpPr>
+        <p:spPr>
+          <a:xfrm>
+            <a:off x="1143440" y="106589"/>
+            <a:ext cx="13257925" cy="646331"/>
+          </a:xfrm>
+          <a:prstGeom prst="rect">
+            <a:avLst/>
+          </a:prstGeom>
+          <a:noFill/>
+        </p:spPr>
+        <p:txBody>
+          <a:bodyPr wrap="none" lIns="91440" tIns="45720" rIns="91440" bIns="45720">
+            <a:spAutoFit/>
+          </a:bodyPr>
+          <a:lstStyle/>
+          <a:p>
+            <a:pPr algn="ctr"/>
+            <a:r>
+              <a:rPr lang="en-US" sz="3600" b="1" dirty="0">
+                <a:ln w="12700">
+                  <a:solidFill>
+                    <a:schemeClr val="tx2">
+                      <a:lumMod val="75000"/>
+                    </a:schemeClr>
+                  </a:solidFill>
+                  <a:prstDash val="solid"/>
+                </a:ln>
+                <a:solidFill>
+                  <a:schemeClr val="accent1">
+                    <a:lumMod val="75000"/>
+                  </a:schemeClr>
+                </a:solidFill>
+                <a:effectLst>
+                  <a:outerShdw blurRad="50800" dist="38100" dir="18900000" algn="bl" rotWithShape="0">
+                    <a:prstClr val="black">
+                      <a:alpha val="40000"/>
+                    </a:prstClr>
+                  </a:outerShdw>
+                </a:effectLst>
+                <a:latin typeface="Abadi" panose="020B0604020104020204" pitchFamily="34" charset="0"/>
+                <a:cs typeface="Aharoni" panose="02010803020104030203" pitchFamily="2" charset="-79"/>
+              </a:rPr>
+              <a:t>Prediction of Solar Irradiation and Electric Power Generation in VA</a:t>
+            </a:r>
+            <a:endParaRPr lang="en-US" sz="3600" b="1" dirty="0">
+              <a:ln w="12700">
+                <a:solidFill>
+                  <a:schemeClr val="tx2">
+                    <a:lumMod val="75000"/>
+                  </a:schemeClr>
+                </a:solidFill>
+                <a:prstDash val="solid"/>
+              </a:ln>
+              <a:solidFill>
+                <a:schemeClr val="accent1">
+                  <a:lumMod val="75000"/>
+                </a:schemeClr>
+              </a:solidFill>
+              <a:effectLst>
+                <a:outerShdw blurRad="50800" dist="38100" dir="18900000" algn="bl" rotWithShape="0">
+                  <a:prstClr val="black">
+                    <a:alpha val="40000"/>
+                  </a:prstClr>
+                </a:outerShdw>
+              </a:effectLst>
             </a:endParaRPr>
           </a:p>
         </p:txBody>
       </p:sp>
       <p:sp>
         <p:nvSpPr>
-          <p:cNvPr id="16" name="TextBox 15">
-            <a:extLst>
-              <a:ext uri="{FF2B5EF4-FFF2-40B4-BE49-F238E27FC236}">
-                <a16:creationId xmlns:a16="http://schemas.microsoft.com/office/drawing/2014/main" id="{8C430926-057B-2741-FCA6-6D817C6CE84A}"/>
+          <p:cNvPr id="29" name="Footer Placeholder 28">
+            <a:extLst>
+              <a:ext uri="{FF2B5EF4-FFF2-40B4-BE49-F238E27FC236}">
+                <a16:creationId xmlns:a16="http://schemas.microsoft.com/office/drawing/2014/main" id="{FB939579-826B-B791-B0AE-513443C43CA8}"/>
+              </a:ext>
+            </a:extLst>
+          </p:cNvPr>
+          <p:cNvSpPr>
+            <a:spLocks noGrp="1"/>
+          </p:cNvSpPr>
+          <p:nvPr>
+            <p:ph type="ftr" sz="quarter" idx="11"/>
+          </p:nvPr>
+        </p:nvSpPr>
+        <p:spPr>
+          <a:xfrm>
+            <a:off x="10463495" y="9653974"/>
+            <a:ext cx="5246370" cy="404426"/>
+          </a:xfrm>
+        </p:spPr>
+        <p:txBody>
+          <a:bodyPr/>
+          <a:lstStyle/>
+          <a:p>
+            <a:r>
+              <a:rPr lang="en-US" dirty="0"/>
+              <a:t>Designed and Created by </a:t>
+            </a:r>
+            <a:r>
+              <a:rPr lang="en-US" b="1" dirty="0"/>
+              <a:t>Huiting Song</a:t>
+            </a:r>
+          </a:p>
+        </p:txBody>
+      </p:sp>
+      <p:sp>
+        <p:nvSpPr>
+          <p:cNvPr id="2" name="Rectangle 1">
+            <a:extLst>
+              <a:ext uri="{FF2B5EF4-FFF2-40B4-BE49-F238E27FC236}">
+                <a16:creationId xmlns:a16="http://schemas.microsoft.com/office/drawing/2014/main" id="{28927D37-5DEE-BA0A-6CE1-33FF2925C1B1}"/>
+              </a:ext>
+            </a:extLst>
+          </p:cNvPr>
+          <p:cNvSpPr/>
+          <p:nvPr/>
+        </p:nvSpPr>
+        <p:spPr>
+          <a:xfrm>
+            <a:off x="421160" y="6531729"/>
+            <a:ext cx="1247623" cy="409039"/>
+          </a:xfrm>
+          <a:prstGeom prst="rect">
+            <a:avLst/>
+          </a:prstGeom>
+          <a:solidFill>
+            <a:schemeClr val="accent1">
+              <a:lumMod val="60000"/>
+              <a:lumOff val="40000"/>
+            </a:schemeClr>
+          </a:solidFill>
+          <a:ln>
+            <a:solidFill>
+              <a:schemeClr val="accent1">
+                <a:lumMod val="60000"/>
+                <a:lumOff val="40000"/>
+              </a:schemeClr>
+            </a:solidFill>
+          </a:ln>
+        </p:spPr>
+        <p:style>
+          <a:lnRef idx="2">
+            <a:schemeClr val="accent1">
+              <a:shade val="50000"/>
+            </a:schemeClr>
+          </a:lnRef>
+          <a:fillRef idx="1">
+            <a:schemeClr val="accent1"/>
+          </a:fillRef>
+          <a:effectRef idx="0">
+            <a:schemeClr val="accent1"/>
+          </a:effectRef>
+          <a:fontRef idx="minor">
+            <a:schemeClr val="lt1"/>
+          </a:fontRef>
+        </p:style>
+        <p:txBody>
+          <a:bodyPr rtlCol="0" anchor="ctr"/>
+          <a:lstStyle/>
+          <a:p>
+            <a:pPr algn="ctr"/>
+            <a:r>
+              <a:rPr lang="en-US" sz="1200" dirty="0">
+                <a:solidFill>
+                  <a:schemeClr val="tx1"/>
+                </a:solidFill>
+                <a:latin typeface="Times New Roman" panose="02020603050405020304" pitchFamily="18" charset="0"/>
+                <a:cs typeface="Times New Roman" panose="02020603050405020304" pitchFamily="18" charset="0"/>
+              </a:rPr>
+              <a:t>Data Processing</a:t>
+            </a:r>
+          </a:p>
+        </p:txBody>
+      </p:sp>
+      <p:sp>
+        <p:nvSpPr>
+          <p:cNvPr id="3" name="Rectangle 2">
+            <a:extLst>
+              <a:ext uri="{FF2B5EF4-FFF2-40B4-BE49-F238E27FC236}">
+                <a16:creationId xmlns:a16="http://schemas.microsoft.com/office/drawing/2014/main" id="{24377B07-92FC-48AA-C082-EE4ABFD273E4}"/>
+              </a:ext>
+            </a:extLst>
+          </p:cNvPr>
+          <p:cNvSpPr/>
+          <p:nvPr/>
+        </p:nvSpPr>
+        <p:spPr>
+          <a:xfrm>
+            <a:off x="2220618" y="6525281"/>
+            <a:ext cx="1247623" cy="409039"/>
+          </a:xfrm>
+          <a:prstGeom prst="rect">
+            <a:avLst/>
+          </a:prstGeom>
+          <a:solidFill>
+            <a:schemeClr val="accent1">
+              <a:lumMod val="60000"/>
+              <a:lumOff val="40000"/>
+            </a:schemeClr>
+          </a:solidFill>
+          <a:ln>
+            <a:solidFill>
+              <a:schemeClr val="accent1">
+                <a:lumMod val="60000"/>
+                <a:lumOff val="40000"/>
+              </a:schemeClr>
+            </a:solidFill>
+          </a:ln>
+        </p:spPr>
+        <p:style>
+          <a:lnRef idx="2">
+            <a:schemeClr val="accent1">
+              <a:shade val="50000"/>
+            </a:schemeClr>
+          </a:lnRef>
+          <a:fillRef idx="1">
+            <a:schemeClr val="accent1"/>
+          </a:fillRef>
+          <a:effectRef idx="0">
+            <a:schemeClr val="accent1"/>
+          </a:effectRef>
+          <a:fontRef idx="minor">
+            <a:schemeClr val="lt1"/>
+          </a:fontRef>
+        </p:style>
+        <p:txBody>
+          <a:bodyPr rtlCol="0" anchor="ctr"/>
+          <a:lstStyle/>
+          <a:p>
+            <a:pPr algn="ctr"/>
+            <a:r>
+              <a:rPr lang="en-US" sz="1200" dirty="0">
+                <a:solidFill>
+                  <a:schemeClr val="tx1"/>
+                </a:solidFill>
+                <a:latin typeface="Times New Roman" panose="02020603050405020304" pitchFamily="18" charset="0"/>
+                <a:cs typeface="Times New Roman" panose="02020603050405020304" pitchFamily="18" charset="0"/>
+              </a:rPr>
+              <a:t>EDA</a:t>
+            </a:r>
+          </a:p>
+        </p:txBody>
+      </p:sp>
+      <p:cxnSp>
+        <p:nvCxnSpPr>
+          <p:cNvPr id="5" name="Straight Arrow Connector 4">
+            <a:extLst>
+              <a:ext uri="{FF2B5EF4-FFF2-40B4-BE49-F238E27FC236}">
+                <a16:creationId xmlns:a16="http://schemas.microsoft.com/office/drawing/2014/main" id="{140CD138-49D6-1D54-E1E9-73A5D98FD2FE}"/>
+              </a:ext>
+            </a:extLst>
+          </p:cNvPr>
+          <p:cNvCxnSpPr>
+            <a:cxnSpLocks/>
+            <a:stCxn id="2" idx="3"/>
+            <a:endCxn id="3" idx="1"/>
+          </p:cNvCxnSpPr>
+          <p:nvPr/>
+        </p:nvCxnSpPr>
+        <p:spPr>
+          <a:xfrm flipV="1">
+            <a:off x="1668783" y="6729801"/>
+            <a:ext cx="551835" cy="6448"/>
+          </a:xfrm>
+          <a:prstGeom prst="straightConnector1">
+            <a:avLst/>
+          </a:prstGeom>
+          <a:ln w="25400">
+            <a:solidFill>
+              <a:schemeClr val="tx1"/>
+            </a:solidFill>
+            <a:tailEnd type="triangle"/>
+          </a:ln>
+        </p:spPr>
+        <p:style>
+          <a:lnRef idx="1">
+            <a:schemeClr val="dk1"/>
+          </a:lnRef>
+          <a:fillRef idx="0">
+            <a:schemeClr val="dk1"/>
+          </a:fillRef>
+          <a:effectRef idx="0">
+            <a:schemeClr val="dk1"/>
+          </a:effectRef>
+          <a:fontRef idx="minor">
+            <a:schemeClr val="tx1"/>
+          </a:fontRef>
+        </p:style>
+      </p:cxnSp>
+      <p:sp>
+        <p:nvSpPr>
+          <p:cNvPr id="21" name="Rectangle 20">
+            <a:extLst>
+              <a:ext uri="{FF2B5EF4-FFF2-40B4-BE49-F238E27FC236}">
+                <a16:creationId xmlns:a16="http://schemas.microsoft.com/office/drawing/2014/main" id="{CD3E4D4C-B35C-5420-E3A6-3B41C00CE80A}"/>
+              </a:ext>
+            </a:extLst>
+          </p:cNvPr>
+          <p:cNvSpPr/>
+          <p:nvPr/>
+        </p:nvSpPr>
+        <p:spPr>
+          <a:xfrm>
+            <a:off x="3034231" y="7389816"/>
+            <a:ext cx="1345193" cy="522662"/>
+          </a:xfrm>
+          <a:prstGeom prst="rect">
+            <a:avLst/>
+          </a:prstGeom>
+          <a:solidFill>
+            <a:schemeClr val="bg1">
+              <a:lumMod val="85000"/>
+            </a:schemeClr>
+          </a:solidFill>
+          <a:ln>
+            <a:solidFill>
+              <a:schemeClr val="bg1">
+                <a:lumMod val="85000"/>
+              </a:schemeClr>
+            </a:solidFill>
+          </a:ln>
+        </p:spPr>
+        <p:style>
+          <a:lnRef idx="2">
+            <a:schemeClr val="accent1">
+              <a:shade val="50000"/>
+            </a:schemeClr>
+          </a:lnRef>
+          <a:fillRef idx="1">
+            <a:schemeClr val="accent1"/>
+          </a:fillRef>
+          <a:effectRef idx="0">
+            <a:schemeClr val="accent1"/>
+          </a:effectRef>
+          <a:fontRef idx="minor">
+            <a:schemeClr val="lt1"/>
+          </a:fontRef>
+        </p:style>
+        <p:txBody>
+          <a:bodyPr rtlCol="0" anchor="ctr"/>
+          <a:lstStyle/>
+          <a:p>
+            <a:pPr algn="ctr"/>
+            <a:r>
+              <a:rPr lang="en-US" sz="1200" dirty="0">
+                <a:solidFill>
+                  <a:schemeClr val="tx1"/>
+                </a:solidFill>
+                <a:latin typeface="Times New Roman" panose="02020603050405020304" pitchFamily="18" charset="0"/>
+                <a:cs typeface="Times New Roman" panose="02020603050405020304" pitchFamily="18" charset="0"/>
+              </a:rPr>
+              <a:t>Feature Selection</a:t>
+            </a:r>
+          </a:p>
+        </p:txBody>
+      </p:sp>
+      <p:cxnSp>
+        <p:nvCxnSpPr>
+          <p:cNvPr id="56" name="Elbow Connector 55">
+            <a:extLst>
+              <a:ext uri="{FF2B5EF4-FFF2-40B4-BE49-F238E27FC236}">
+                <a16:creationId xmlns:a16="http://schemas.microsoft.com/office/drawing/2014/main" id="{B86A54C7-B897-E726-1880-1FF7BA0C40AE}"/>
+              </a:ext>
+            </a:extLst>
+          </p:cNvPr>
+          <p:cNvCxnSpPr>
+            <a:cxnSpLocks/>
+            <a:stCxn id="3" idx="3"/>
+            <a:endCxn id="21" idx="0"/>
+          </p:cNvCxnSpPr>
+          <p:nvPr/>
+        </p:nvCxnSpPr>
+        <p:spPr>
+          <a:xfrm>
+            <a:off x="3468241" y="6729801"/>
+            <a:ext cx="238587" cy="660015"/>
+          </a:xfrm>
+          <a:prstGeom prst="bentConnector2">
+            <a:avLst/>
+          </a:prstGeom>
+          <a:ln w="25400">
+            <a:solidFill>
+              <a:schemeClr val="tx1"/>
+            </a:solidFill>
+            <a:tailEnd type="triangle"/>
+          </a:ln>
+        </p:spPr>
+        <p:style>
+          <a:lnRef idx="1">
+            <a:schemeClr val="accent1"/>
+          </a:lnRef>
+          <a:fillRef idx="0">
+            <a:schemeClr val="accent1"/>
+          </a:fillRef>
+          <a:effectRef idx="0">
+            <a:schemeClr val="accent1"/>
+          </a:effectRef>
+          <a:fontRef idx="minor">
+            <a:schemeClr val="tx1"/>
+          </a:fontRef>
+        </p:style>
+      </p:cxnSp>
+      <p:sp>
+        <p:nvSpPr>
+          <p:cNvPr id="60" name="Rectangle 59">
+            <a:extLst>
+              <a:ext uri="{FF2B5EF4-FFF2-40B4-BE49-F238E27FC236}">
+                <a16:creationId xmlns:a16="http://schemas.microsoft.com/office/drawing/2014/main" id="{28C5B03E-8791-F259-8328-8EFC4E0F9D29}"/>
+              </a:ext>
+            </a:extLst>
+          </p:cNvPr>
+          <p:cNvSpPr/>
+          <p:nvPr/>
+        </p:nvSpPr>
+        <p:spPr>
+          <a:xfrm>
+            <a:off x="421160" y="7378330"/>
+            <a:ext cx="1345193" cy="522662"/>
+          </a:xfrm>
+          <a:prstGeom prst="rect">
+            <a:avLst/>
+          </a:prstGeom>
+          <a:solidFill>
+            <a:srgbClr val="DDBCF5"/>
+          </a:solidFill>
+          <a:ln>
+            <a:solidFill>
+              <a:srgbClr val="DDBCF5"/>
+            </a:solidFill>
+          </a:ln>
+        </p:spPr>
+        <p:style>
+          <a:lnRef idx="2">
+            <a:schemeClr val="accent1">
+              <a:shade val="50000"/>
+            </a:schemeClr>
+          </a:lnRef>
+          <a:fillRef idx="1">
+            <a:schemeClr val="accent1"/>
+          </a:fillRef>
+          <a:effectRef idx="0">
+            <a:schemeClr val="accent1"/>
+          </a:effectRef>
+          <a:fontRef idx="minor">
+            <a:schemeClr val="lt1"/>
+          </a:fontRef>
+        </p:style>
+        <p:txBody>
+          <a:bodyPr rtlCol="0" anchor="ctr"/>
+          <a:lstStyle/>
+          <a:p>
+            <a:pPr algn="ctr"/>
+            <a:r>
+              <a:rPr lang="en-US" sz="1200" dirty="0">
+                <a:solidFill>
+                  <a:schemeClr val="tx1"/>
+                </a:solidFill>
+                <a:latin typeface="Times New Roman" panose="02020603050405020304" pitchFamily="18" charset="0"/>
+                <a:cs typeface="Times New Roman" panose="02020603050405020304" pitchFamily="18" charset="0"/>
+              </a:rPr>
+              <a:t>Time Series Algorithm</a:t>
+            </a:r>
+          </a:p>
+        </p:txBody>
+      </p:sp>
+      <p:cxnSp>
+        <p:nvCxnSpPr>
+          <p:cNvPr id="62" name="Straight Arrow Connector 61">
+            <a:extLst>
+              <a:ext uri="{FF2B5EF4-FFF2-40B4-BE49-F238E27FC236}">
+                <a16:creationId xmlns:a16="http://schemas.microsoft.com/office/drawing/2014/main" id="{5C2B1F5F-FC9B-CA03-55EE-0B561BBB39FA}"/>
+              </a:ext>
+            </a:extLst>
+          </p:cNvPr>
+          <p:cNvCxnSpPr>
+            <a:cxnSpLocks/>
+            <a:endCxn id="60" idx="3"/>
+          </p:cNvCxnSpPr>
+          <p:nvPr/>
+        </p:nvCxnSpPr>
+        <p:spPr>
+          <a:xfrm flipH="1" flipV="1">
+            <a:off x="1766353" y="7639661"/>
+            <a:ext cx="1156076" cy="13045"/>
+          </a:xfrm>
+          <a:prstGeom prst="straightConnector1">
+            <a:avLst/>
+          </a:prstGeom>
+          <a:ln w="25400">
+            <a:solidFill>
+              <a:schemeClr val="tx1"/>
+            </a:solidFill>
+            <a:tailEnd type="triangle"/>
+          </a:ln>
+        </p:spPr>
+        <p:style>
+          <a:lnRef idx="1">
+            <a:schemeClr val="accent1"/>
+          </a:lnRef>
+          <a:fillRef idx="0">
+            <a:schemeClr val="accent1"/>
+          </a:fillRef>
+          <a:effectRef idx="0">
+            <a:schemeClr val="accent1"/>
+          </a:effectRef>
+          <a:fontRef idx="minor">
+            <a:schemeClr val="tx1"/>
+          </a:fontRef>
+        </p:style>
+      </p:cxnSp>
+      <p:sp>
+        <p:nvSpPr>
+          <p:cNvPr id="64" name="Rectangle 63">
+            <a:extLst>
+              <a:ext uri="{FF2B5EF4-FFF2-40B4-BE49-F238E27FC236}">
+                <a16:creationId xmlns:a16="http://schemas.microsoft.com/office/drawing/2014/main" id="{38B04F12-95E4-4EE1-4906-708D312B173C}"/>
+              </a:ext>
+            </a:extLst>
+          </p:cNvPr>
+          <p:cNvSpPr/>
+          <p:nvPr/>
+        </p:nvSpPr>
+        <p:spPr>
+          <a:xfrm>
+            <a:off x="421160" y="8260636"/>
+            <a:ext cx="1345193" cy="522662"/>
+          </a:xfrm>
+          <a:prstGeom prst="rect">
+            <a:avLst/>
+          </a:prstGeom>
+          <a:solidFill>
+            <a:srgbClr val="DDBCF5"/>
+          </a:solidFill>
+          <a:ln>
+            <a:solidFill>
+              <a:srgbClr val="DDBCF5"/>
+            </a:solidFill>
+          </a:ln>
+        </p:spPr>
+        <p:style>
+          <a:lnRef idx="2">
+            <a:schemeClr val="accent1">
+              <a:shade val="50000"/>
+            </a:schemeClr>
+          </a:lnRef>
+          <a:fillRef idx="1">
+            <a:schemeClr val="accent1"/>
+          </a:fillRef>
+          <a:effectRef idx="0">
+            <a:schemeClr val="accent1"/>
+          </a:effectRef>
+          <a:fontRef idx="minor">
+            <a:schemeClr val="lt1"/>
+          </a:fontRef>
+        </p:style>
+        <p:txBody>
+          <a:bodyPr rtlCol="0" anchor="ctr"/>
+          <a:lstStyle/>
+          <a:p>
+            <a:pPr algn="ctr"/>
+            <a:r>
+              <a:rPr lang="en-US" sz="1200" dirty="0">
+                <a:solidFill>
+                  <a:schemeClr val="tx1"/>
+                </a:solidFill>
+                <a:latin typeface="Times New Roman" panose="02020603050405020304" pitchFamily="18" charset="0"/>
+                <a:cs typeface="Times New Roman" panose="02020603050405020304" pitchFamily="18" charset="0"/>
+              </a:rPr>
+              <a:t>Model Score &amp; Evaluation</a:t>
+            </a:r>
+          </a:p>
+        </p:txBody>
+      </p:sp>
+      <p:sp>
+        <p:nvSpPr>
+          <p:cNvPr id="81" name="Rectangle 80">
+            <a:extLst>
+              <a:ext uri="{FF2B5EF4-FFF2-40B4-BE49-F238E27FC236}">
+                <a16:creationId xmlns:a16="http://schemas.microsoft.com/office/drawing/2014/main" id="{35C37532-A826-DD62-B57C-C8437AD57A8E}"/>
+              </a:ext>
+            </a:extLst>
+          </p:cNvPr>
+          <p:cNvSpPr/>
+          <p:nvPr/>
+        </p:nvSpPr>
+        <p:spPr>
+          <a:xfrm>
+            <a:off x="421160" y="9142942"/>
+            <a:ext cx="1345193" cy="522662"/>
+          </a:xfrm>
+          <a:prstGeom prst="rect">
+            <a:avLst/>
+          </a:prstGeom>
+          <a:solidFill>
+            <a:schemeClr val="accent6">
+              <a:lumMod val="40000"/>
+              <a:lumOff val="60000"/>
+            </a:schemeClr>
+          </a:solidFill>
+          <a:ln>
+            <a:solidFill>
+              <a:schemeClr val="accent6">
+                <a:lumMod val="40000"/>
+                <a:lumOff val="60000"/>
+              </a:schemeClr>
+            </a:solidFill>
+          </a:ln>
+        </p:spPr>
+        <p:style>
+          <a:lnRef idx="2">
+            <a:schemeClr val="accent1">
+              <a:shade val="50000"/>
+            </a:schemeClr>
+          </a:lnRef>
+          <a:fillRef idx="1">
+            <a:schemeClr val="accent1"/>
+          </a:fillRef>
+          <a:effectRef idx="0">
+            <a:schemeClr val="accent1"/>
+          </a:effectRef>
+          <a:fontRef idx="minor">
+            <a:schemeClr val="lt1"/>
+          </a:fontRef>
+        </p:style>
+        <p:txBody>
+          <a:bodyPr rtlCol="0" anchor="ctr"/>
+          <a:lstStyle/>
+          <a:p>
+            <a:pPr algn="ctr"/>
+            <a:r>
+              <a:rPr lang="en-US" sz="1200" dirty="0">
+                <a:solidFill>
+                  <a:schemeClr val="tx1"/>
+                </a:solidFill>
+                <a:latin typeface="Times New Roman" panose="02020603050405020304" pitchFamily="18" charset="0"/>
+                <a:cs typeface="Times New Roman" panose="02020603050405020304" pitchFamily="18" charset="0"/>
+              </a:rPr>
+              <a:t>Forecasting</a:t>
+            </a:r>
+          </a:p>
+        </p:txBody>
+      </p:sp>
+      <p:cxnSp>
+        <p:nvCxnSpPr>
+          <p:cNvPr id="83" name="Straight Arrow Connector 82">
+            <a:extLst>
+              <a:ext uri="{FF2B5EF4-FFF2-40B4-BE49-F238E27FC236}">
+                <a16:creationId xmlns:a16="http://schemas.microsoft.com/office/drawing/2014/main" id="{BF8B99D0-18F7-E0B1-847E-BC036BB78C05}"/>
+              </a:ext>
+            </a:extLst>
+          </p:cNvPr>
+          <p:cNvCxnSpPr>
+            <a:cxnSpLocks/>
+            <a:stCxn id="64" idx="2"/>
+            <a:endCxn id="81" idx="0"/>
+          </p:cNvCxnSpPr>
+          <p:nvPr/>
+        </p:nvCxnSpPr>
+        <p:spPr>
+          <a:xfrm>
+            <a:off x="1093757" y="8783298"/>
+            <a:ext cx="0" cy="359644"/>
+          </a:xfrm>
+          <a:prstGeom prst="straightConnector1">
+            <a:avLst/>
+          </a:prstGeom>
+          <a:ln w="25400">
+            <a:solidFill>
+              <a:schemeClr val="tx1"/>
+            </a:solidFill>
+            <a:tailEnd type="triangle"/>
+          </a:ln>
+        </p:spPr>
+        <p:style>
+          <a:lnRef idx="1">
+            <a:schemeClr val="accent1"/>
+          </a:lnRef>
+          <a:fillRef idx="0">
+            <a:schemeClr val="accent1"/>
+          </a:fillRef>
+          <a:effectRef idx="0">
+            <a:schemeClr val="accent1"/>
+          </a:effectRef>
+          <a:fontRef idx="minor">
+            <a:schemeClr val="tx1"/>
+          </a:fontRef>
+        </p:style>
+      </p:cxnSp>
+      <p:cxnSp>
+        <p:nvCxnSpPr>
+          <p:cNvPr id="110" name="Straight Arrow Connector 109">
+            <a:extLst>
+              <a:ext uri="{FF2B5EF4-FFF2-40B4-BE49-F238E27FC236}">
+                <a16:creationId xmlns:a16="http://schemas.microsoft.com/office/drawing/2014/main" id="{85A98392-3AFE-E7AC-5569-E6FB684763BF}"/>
+              </a:ext>
+            </a:extLst>
+          </p:cNvPr>
+          <p:cNvCxnSpPr>
+            <a:cxnSpLocks/>
+            <a:stCxn id="60" idx="2"/>
+            <a:endCxn id="64" idx="0"/>
+          </p:cNvCxnSpPr>
+          <p:nvPr/>
+        </p:nvCxnSpPr>
+        <p:spPr>
+          <a:xfrm>
+            <a:off x="1093757" y="7900992"/>
+            <a:ext cx="0" cy="359644"/>
+          </a:xfrm>
+          <a:prstGeom prst="straightConnector1">
+            <a:avLst/>
+          </a:prstGeom>
+          <a:ln w="25400">
+            <a:solidFill>
+              <a:schemeClr val="tx1"/>
+            </a:solidFill>
+            <a:tailEnd type="triangle"/>
+          </a:ln>
+        </p:spPr>
+        <p:style>
+          <a:lnRef idx="1">
+            <a:schemeClr val="accent1"/>
+          </a:lnRef>
+          <a:fillRef idx="0">
+            <a:schemeClr val="accent1"/>
+          </a:fillRef>
+          <a:effectRef idx="0">
+            <a:schemeClr val="accent1"/>
+          </a:effectRef>
+          <a:fontRef idx="minor">
+            <a:schemeClr val="tx1"/>
+          </a:fontRef>
+        </p:style>
+      </p:cxnSp>
+      <p:sp>
+        <p:nvSpPr>
+          <p:cNvPr id="124" name="Rectangle 123">
+            <a:extLst>
+              <a:ext uri="{FF2B5EF4-FFF2-40B4-BE49-F238E27FC236}">
+                <a16:creationId xmlns:a16="http://schemas.microsoft.com/office/drawing/2014/main" id="{94E28D8C-D4B0-2C83-1C3B-8F728026B6ED}"/>
+              </a:ext>
+            </a:extLst>
+          </p:cNvPr>
+          <p:cNvSpPr/>
+          <p:nvPr/>
+        </p:nvSpPr>
+        <p:spPr>
+          <a:xfrm>
+            <a:off x="3032246" y="8133303"/>
+            <a:ext cx="1345193" cy="522662"/>
+          </a:xfrm>
+          <a:prstGeom prst="rect">
+            <a:avLst/>
+          </a:prstGeom>
+          <a:solidFill>
+            <a:schemeClr val="bg1">
+              <a:lumMod val="85000"/>
+            </a:schemeClr>
+          </a:solidFill>
+          <a:ln>
+            <a:solidFill>
+              <a:schemeClr val="bg1">
+                <a:lumMod val="85000"/>
+              </a:schemeClr>
+            </a:solidFill>
+          </a:ln>
+        </p:spPr>
+        <p:style>
+          <a:lnRef idx="2">
+            <a:schemeClr val="accent1">
+              <a:shade val="50000"/>
+            </a:schemeClr>
+          </a:lnRef>
+          <a:fillRef idx="1">
+            <a:schemeClr val="accent1"/>
+          </a:fillRef>
+          <a:effectRef idx="0">
+            <a:schemeClr val="accent1"/>
+          </a:effectRef>
+          <a:fontRef idx="minor">
+            <a:schemeClr val="lt1"/>
+          </a:fontRef>
+        </p:style>
+        <p:txBody>
+          <a:bodyPr rtlCol="0" anchor="ctr"/>
+          <a:lstStyle/>
+          <a:p>
+            <a:pPr algn="ctr"/>
+            <a:r>
+              <a:rPr lang="en-US" sz="1200" dirty="0">
+                <a:solidFill>
+                  <a:schemeClr val="tx1"/>
+                </a:solidFill>
+                <a:latin typeface="Times New Roman" panose="02020603050405020304" pitchFamily="18" charset="0"/>
+                <a:cs typeface="Times New Roman" panose="02020603050405020304" pitchFamily="18" charset="0"/>
+              </a:rPr>
+              <a:t>Hyperparameter Tuning</a:t>
+            </a:r>
+          </a:p>
+        </p:txBody>
+      </p:sp>
+      <p:sp>
+        <p:nvSpPr>
+          <p:cNvPr id="125" name="Rectangle 124">
+            <a:extLst>
+              <a:ext uri="{FF2B5EF4-FFF2-40B4-BE49-F238E27FC236}">
+                <a16:creationId xmlns:a16="http://schemas.microsoft.com/office/drawing/2014/main" id="{08982E27-4631-7B3C-80C2-C3E08E08D825}"/>
+              </a:ext>
+            </a:extLst>
+          </p:cNvPr>
+          <p:cNvSpPr/>
+          <p:nvPr/>
+        </p:nvSpPr>
+        <p:spPr>
+          <a:xfrm>
+            <a:off x="3034304" y="8976552"/>
+            <a:ext cx="1345193" cy="522662"/>
+          </a:xfrm>
+          <a:prstGeom prst="rect">
+            <a:avLst/>
+          </a:prstGeom>
+          <a:solidFill>
+            <a:schemeClr val="bg1">
+              <a:lumMod val="85000"/>
+            </a:schemeClr>
+          </a:solidFill>
+          <a:ln>
+            <a:solidFill>
+              <a:schemeClr val="bg1">
+                <a:lumMod val="85000"/>
+              </a:schemeClr>
+            </a:solidFill>
+          </a:ln>
+        </p:spPr>
+        <p:style>
+          <a:lnRef idx="2">
+            <a:schemeClr val="accent1">
+              <a:shade val="50000"/>
+            </a:schemeClr>
+          </a:lnRef>
+          <a:fillRef idx="1">
+            <a:schemeClr val="accent1"/>
+          </a:fillRef>
+          <a:effectRef idx="0">
+            <a:schemeClr val="accent1"/>
+          </a:effectRef>
+          <a:fontRef idx="minor">
+            <a:schemeClr val="lt1"/>
+          </a:fontRef>
+        </p:style>
+        <p:txBody>
+          <a:bodyPr rtlCol="0" anchor="ctr"/>
+          <a:lstStyle/>
+          <a:p>
+            <a:pPr algn="ctr"/>
+            <a:r>
+              <a:rPr lang="en-US" sz="1200" dirty="0">
+                <a:solidFill>
+                  <a:schemeClr val="tx1"/>
+                </a:solidFill>
+                <a:latin typeface="Times New Roman" panose="02020603050405020304" pitchFamily="18" charset="0"/>
+                <a:cs typeface="Times New Roman" panose="02020603050405020304" pitchFamily="18" charset="0"/>
+              </a:rPr>
+              <a:t>Option A</a:t>
+            </a:r>
+          </a:p>
+          <a:p>
+            <a:pPr algn="ctr"/>
+            <a:r>
+              <a:rPr lang="en-US" sz="1200" dirty="0">
+                <a:solidFill>
+                  <a:schemeClr val="tx1"/>
+                </a:solidFill>
+                <a:latin typeface="Times New Roman" panose="02020603050405020304" pitchFamily="18" charset="0"/>
+                <a:cs typeface="Times New Roman" panose="02020603050405020304" pitchFamily="18" charset="0"/>
+              </a:rPr>
+              <a:t>&amp; Option B</a:t>
+            </a:r>
+          </a:p>
+        </p:txBody>
+      </p:sp>
+      <p:cxnSp>
+        <p:nvCxnSpPr>
+          <p:cNvPr id="126" name="Straight Arrow Connector 125">
+            <a:extLst>
+              <a:ext uri="{FF2B5EF4-FFF2-40B4-BE49-F238E27FC236}">
+                <a16:creationId xmlns:a16="http://schemas.microsoft.com/office/drawing/2014/main" id="{0B5811BF-83B7-8FEE-354B-1F2CB3BC28A3}"/>
+              </a:ext>
+            </a:extLst>
+          </p:cNvPr>
+          <p:cNvCxnSpPr>
+            <a:cxnSpLocks/>
+            <a:stCxn id="21" idx="2"/>
+            <a:endCxn id="124" idx="0"/>
+          </p:cNvCxnSpPr>
+          <p:nvPr/>
+        </p:nvCxnSpPr>
+        <p:spPr>
+          <a:xfrm flipH="1">
+            <a:off x="3704843" y="7912478"/>
+            <a:ext cx="1985" cy="220825"/>
+          </a:xfrm>
+          <a:prstGeom prst="straightConnector1">
+            <a:avLst/>
+          </a:prstGeom>
+          <a:ln w="25400">
+            <a:solidFill>
+              <a:schemeClr val="tx1"/>
+            </a:solidFill>
+            <a:tailEnd type="triangle"/>
+          </a:ln>
+        </p:spPr>
+        <p:style>
+          <a:lnRef idx="1">
+            <a:schemeClr val="dk1"/>
+          </a:lnRef>
+          <a:fillRef idx="0">
+            <a:schemeClr val="dk1"/>
+          </a:fillRef>
+          <a:effectRef idx="0">
+            <a:schemeClr val="dk1"/>
+          </a:effectRef>
+          <a:fontRef idx="minor">
+            <a:schemeClr val="tx1"/>
+          </a:fontRef>
+        </p:style>
+      </p:cxnSp>
+      <p:cxnSp>
+        <p:nvCxnSpPr>
+          <p:cNvPr id="129" name="Straight Arrow Connector 128">
+            <a:extLst>
+              <a:ext uri="{FF2B5EF4-FFF2-40B4-BE49-F238E27FC236}">
+                <a16:creationId xmlns:a16="http://schemas.microsoft.com/office/drawing/2014/main" id="{23355F6C-01A8-A2BA-E5B3-EDFC795558C5}"/>
+              </a:ext>
+            </a:extLst>
+          </p:cNvPr>
+          <p:cNvCxnSpPr>
+            <a:cxnSpLocks/>
+            <a:endCxn id="125" idx="0"/>
+          </p:cNvCxnSpPr>
+          <p:nvPr/>
+        </p:nvCxnSpPr>
+        <p:spPr>
+          <a:xfrm>
+            <a:off x="3696938" y="8659083"/>
+            <a:ext cx="9963" cy="317469"/>
+          </a:xfrm>
+          <a:prstGeom prst="straightConnector1">
+            <a:avLst/>
+          </a:prstGeom>
+          <a:ln w="25400">
+            <a:solidFill>
+              <a:schemeClr val="tx1"/>
+            </a:solidFill>
+            <a:tailEnd type="triangle"/>
+          </a:ln>
+        </p:spPr>
+        <p:style>
+          <a:lnRef idx="1">
+            <a:schemeClr val="dk1"/>
+          </a:lnRef>
+          <a:fillRef idx="0">
+            <a:schemeClr val="dk1"/>
+          </a:fillRef>
+          <a:effectRef idx="0">
+            <a:schemeClr val="dk1"/>
+          </a:effectRef>
+          <a:fontRef idx="minor">
+            <a:schemeClr val="tx1"/>
+          </a:fontRef>
+        </p:style>
+      </p:cxnSp>
+      <p:sp>
+        <p:nvSpPr>
+          <p:cNvPr id="137" name="Rectangle 136">
+            <a:extLst>
+              <a:ext uri="{FF2B5EF4-FFF2-40B4-BE49-F238E27FC236}">
+                <a16:creationId xmlns:a16="http://schemas.microsoft.com/office/drawing/2014/main" id="{2254570D-CBEA-9B3A-5EF7-C13BCDE0FBC6}"/>
+              </a:ext>
+            </a:extLst>
+          </p:cNvPr>
+          <p:cNvSpPr/>
+          <p:nvPr/>
+        </p:nvSpPr>
+        <p:spPr>
+          <a:xfrm>
+            <a:off x="2922429" y="7181851"/>
+            <a:ext cx="1566474" cy="2472123"/>
+          </a:xfrm>
+          <a:prstGeom prst="rect">
+            <a:avLst/>
+          </a:prstGeom>
+          <a:noFill/>
+          <a:ln w="25400">
+            <a:solidFill>
+              <a:schemeClr val="tx1"/>
+            </a:solidFill>
+            <a:prstDash val="sysDot"/>
+          </a:ln>
+        </p:spPr>
+        <p:style>
+          <a:lnRef idx="2">
+            <a:schemeClr val="accent1">
+              <a:shade val="50000"/>
+            </a:schemeClr>
+          </a:lnRef>
+          <a:fillRef idx="1">
+            <a:schemeClr val="accent1"/>
+          </a:fillRef>
+          <a:effectRef idx="0">
+            <a:schemeClr val="accent1"/>
+          </a:effectRef>
+          <a:fontRef idx="minor">
+            <a:schemeClr val="lt1"/>
+          </a:fontRef>
+        </p:style>
+        <p:txBody>
+          <a:bodyPr rtlCol="0" anchor="ctr"/>
+          <a:lstStyle/>
+          <a:p>
+            <a:pPr algn="ctr"/>
+            <a:endParaRPr lang="en-US"/>
+          </a:p>
+        </p:txBody>
+      </p:sp>
+      <p:sp>
+        <p:nvSpPr>
+          <p:cNvPr id="143" name="TextBox 142">
+            <a:extLst>
+              <a:ext uri="{FF2B5EF4-FFF2-40B4-BE49-F238E27FC236}">
+                <a16:creationId xmlns:a16="http://schemas.microsoft.com/office/drawing/2014/main" id="{5806B2D7-F9FA-DB3A-A1BA-62F0F0BDA242}"/>
               </a:ext>
             </a:extLst>
           </p:cNvPr>
@@ -4345,8 +5330,176 @@
         </p:nvSpPr>
         <p:spPr>
           <a:xfrm>
-            <a:off x="4835611" y="5359729"/>
-            <a:ext cx="5828270" cy="2800767"/>
+            <a:off x="1391602" y="9653975"/>
+            <a:ext cx="3177540" cy="276999"/>
+          </a:xfrm>
+          <a:prstGeom prst="rect">
+            <a:avLst/>
+          </a:prstGeom>
+          <a:noFill/>
+        </p:spPr>
+        <p:txBody>
+          <a:bodyPr wrap="square" rtlCol="0">
+            <a:spAutoFit/>
+          </a:bodyPr>
+          <a:lstStyle/>
+          <a:p>
+            <a:r>
+              <a:rPr lang="en-US" sz="1200" dirty="0">
+                <a:latin typeface="Times New Roman" panose="02020603050405020304" pitchFamily="18" charset="0"/>
+                <a:cs typeface="Times New Roman" panose="02020603050405020304" pitchFamily="18" charset="0"/>
+              </a:rPr>
+              <a:t>Figure 1: </a:t>
+            </a:r>
+            <a:r>
+              <a:rPr lang="en-US" sz="1100" dirty="0">
+                <a:latin typeface="Times New Roman" panose="02020603050405020304" pitchFamily="18" charset="0"/>
+                <a:cs typeface="Times New Roman" panose="02020603050405020304" pitchFamily="18" charset="0"/>
+              </a:rPr>
+              <a:t>Research</a:t>
+            </a:r>
+            <a:r>
+              <a:rPr lang="en-US" sz="1200" dirty="0">
+                <a:latin typeface="Times New Roman" panose="02020603050405020304" pitchFamily="18" charset="0"/>
+                <a:cs typeface="Times New Roman" panose="02020603050405020304" pitchFamily="18" charset="0"/>
+              </a:rPr>
+              <a:t> Flow</a:t>
+            </a:r>
+          </a:p>
+        </p:txBody>
+      </p:sp>
+      <p:pic>
+        <p:nvPicPr>
+          <p:cNvPr id="153" name="Picture 152">
+            <a:extLst>
+              <a:ext uri="{FF2B5EF4-FFF2-40B4-BE49-F238E27FC236}">
+                <a16:creationId xmlns:a16="http://schemas.microsoft.com/office/drawing/2014/main" id="{390CC808-DB18-579A-1FD7-62A3601890A8}"/>
+              </a:ext>
+            </a:extLst>
+          </p:cNvPr>
+          <p:cNvPicPr>
+            <a:picLocks noChangeAspect="1"/>
+          </p:cNvPicPr>
+          <p:nvPr/>
+        </p:nvPicPr>
+        <p:blipFill>
+          <a:blip r:embed="rId2">
+            <a:alphaModFix amt="85000"/>
+          </a:blip>
+          <a:stretch>
+            <a:fillRect/>
+          </a:stretch>
+        </p:blipFill>
+        <p:spPr>
+          <a:xfrm>
+            <a:off x="11030155" y="4415393"/>
+            <a:ext cx="4191039" cy="2998757"/>
+          </a:xfrm>
+          <a:prstGeom prst="rect">
+            <a:avLst/>
+          </a:prstGeom>
+        </p:spPr>
+      </p:pic>
+      <p:pic>
+        <p:nvPicPr>
+          <p:cNvPr id="155" name="Picture 154" descr="A white rectangular box with black text&#10;&#10;Description automatically generated">
+            <a:extLst>
+              <a:ext uri="{FF2B5EF4-FFF2-40B4-BE49-F238E27FC236}">
+                <a16:creationId xmlns:a16="http://schemas.microsoft.com/office/drawing/2014/main" id="{C2A59CAF-3ECE-BF51-3FB8-314A9D21C2DB}"/>
+              </a:ext>
+            </a:extLst>
+          </p:cNvPr>
+          <p:cNvPicPr>
+            <a:picLocks noChangeAspect="1"/>
+          </p:cNvPicPr>
+          <p:nvPr/>
+        </p:nvPicPr>
+        <p:blipFill>
+          <a:blip r:embed="rId3">
+            <a:alphaModFix amt="85000"/>
+          </a:blip>
+          <a:stretch>
+            <a:fillRect/>
+          </a:stretch>
+        </p:blipFill>
+        <p:spPr>
+          <a:xfrm>
+            <a:off x="4829437" y="4082963"/>
+            <a:ext cx="3920863" cy="2108621"/>
+          </a:xfrm>
+          <a:prstGeom prst="rect">
+            <a:avLst/>
+          </a:prstGeom>
+        </p:spPr>
+      </p:pic>
+      <p:sp>
+        <p:nvSpPr>
+          <p:cNvPr id="162" name="Rectangle 161">
+            <a:extLst>
+              <a:ext uri="{FF2B5EF4-FFF2-40B4-BE49-F238E27FC236}">
+                <a16:creationId xmlns:a16="http://schemas.microsoft.com/office/drawing/2014/main" id="{86ED0FA2-77A5-B90D-729C-DDEDEE75773E}"/>
+              </a:ext>
+            </a:extLst>
+          </p:cNvPr>
+          <p:cNvSpPr/>
+          <p:nvPr/>
+        </p:nvSpPr>
+        <p:spPr>
+          <a:xfrm>
+            <a:off x="4759083" y="5694458"/>
+            <a:ext cx="4061570" cy="173739"/>
+          </a:xfrm>
+          <a:prstGeom prst="rect">
+            <a:avLst/>
+          </a:prstGeom>
+          <a:noFill/>
+          <a:ln w="25400">
+            <a:solidFill>
+              <a:srgbClr val="C00000"/>
+            </a:solidFill>
+          </a:ln>
+        </p:spPr>
+        <p:style>
+          <a:lnRef idx="2">
+            <a:schemeClr val="accent1">
+              <a:shade val="50000"/>
+            </a:schemeClr>
+          </a:lnRef>
+          <a:fillRef idx="1">
+            <a:schemeClr val="accent1"/>
+          </a:fillRef>
+          <a:effectRef idx="0">
+            <a:schemeClr val="accent1"/>
+          </a:effectRef>
+          <a:fontRef idx="minor">
+            <a:schemeClr val="lt1"/>
+          </a:fontRef>
+        </p:style>
+        <p:txBody>
+          <a:bodyPr rtlCol="0" anchor="ctr"/>
+          <a:lstStyle/>
+          <a:p>
+            <a:pPr algn="ctr"/>
+            <a:endParaRPr lang="en-US"/>
+          </a:p>
+        </p:txBody>
+      </p:sp>
+      <p:sp>
+        <p:nvSpPr>
+          <p:cNvPr id="164" name="TextBox 163">
+            <a:extLst>
+              <a:ext uri="{FF2B5EF4-FFF2-40B4-BE49-F238E27FC236}">
+                <a16:creationId xmlns:a16="http://schemas.microsoft.com/office/drawing/2014/main" id="{6CDCAE42-82B5-2D2A-4F18-8AC6AB31E417}"/>
+              </a:ext>
+            </a:extLst>
+          </p:cNvPr>
+          <p:cNvSpPr txBox="1"/>
+          <p:nvPr/>
+        </p:nvSpPr>
+        <p:spPr>
+          <a:xfrm>
+            <a:off x="8755848" y="4067926"/>
+            <a:ext cx="1901859" cy="2123658"/>
           </a:xfrm>
           <a:prstGeom prst="rect">
             <a:avLst/>
@@ -4365,79 +5518,23 @@
           </a:bodyPr>
           <a:lstStyle/>
           <a:p>
-            <a:endParaRPr lang="en-US" sz="1600" dirty="0">
-              <a:latin typeface="Times New Roman" panose="02020603050405020304" pitchFamily="18" charset="0"/>
-              <a:cs typeface="Times New Roman" panose="02020603050405020304" pitchFamily="18" charset="0"/>
-            </a:endParaRPr>
-          </a:p>
-          <a:p>
-            <a:endParaRPr lang="en-US" sz="1600" dirty="0">
-              <a:latin typeface="Times New Roman" panose="02020603050405020304" pitchFamily="18" charset="0"/>
-              <a:cs typeface="Times New Roman" panose="02020603050405020304" pitchFamily="18" charset="0"/>
-            </a:endParaRPr>
-          </a:p>
-          <a:p>
-            <a:endParaRPr lang="en-US" sz="1600" dirty="0">
-              <a:latin typeface="Times New Roman" panose="02020603050405020304" pitchFamily="18" charset="0"/>
-              <a:cs typeface="Times New Roman" panose="02020603050405020304" pitchFamily="18" charset="0"/>
-            </a:endParaRPr>
-          </a:p>
-          <a:p>
-            <a:endParaRPr lang="en-US" sz="1600" dirty="0">
-              <a:latin typeface="Times New Roman" panose="02020603050405020304" pitchFamily="18" charset="0"/>
-              <a:cs typeface="Times New Roman" panose="02020603050405020304" pitchFamily="18" charset="0"/>
-            </a:endParaRPr>
-          </a:p>
-          <a:p>
-            <a:endParaRPr lang="en-US" sz="1600" dirty="0">
-              <a:latin typeface="Times New Roman" panose="02020603050405020304" pitchFamily="18" charset="0"/>
-              <a:cs typeface="Times New Roman" panose="02020603050405020304" pitchFamily="18" charset="0"/>
-            </a:endParaRPr>
-          </a:p>
-          <a:p>
-            <a:endParaRPr lang="en-US" sz="1600" dirty="0">
-              <a:latin typeface="Times New Roman" panose="02020603050405020304" pitchFamily="18" charset="0"/>
-              <a:cs typeface="Times New Roman" panose="02020603050405020304" pitchFamily="18" charset="0"/>
-            </a:endParaRPr>
-          </a:p>
-          <a:p>
-            <a:endParaRPr lang="en-US" sz="1600" dirty="0">
-              <a:latin typeface="Times New Roman" panose="02020603050405020304" pitchFamily="18" charset="0"/>
-              <a:cs typeface="Times New Roman" panose="02020603050405020304" pitchFamily="18" charset="0"/>
-            </a:endParaRPr>
-          </a:p>
-          <a:p>
-            <a:endParaRPr lang="en-US" sz="1600" dirty="0">
-              <a:latin typeface="Times New Roman" panose="02020603050405020304" pitchFamily="18" charset="0"/>
-              <a:cs typeface="Times New Roman" panose="02020603050405020304" pitchFamily="18" charset="0"/>
-            </a:endParaRPr>
-          </a:p>
-          <a:p>
-            <a:endParaRPr lang="en-US" sz="1600" dirty="0">
-              <a:latin typeface="Times New Roman" panose="02020603050405020304" pitchFamily="18" charset="0"/>
-              <a:cs typeface="Times New Roman" panose="02020603050405020304" pitchFamily="18" charset="0"/>
-            </a:endParaRPr>
-          </a:p>
-          <a:p>
-            <a:endParaRPr lang="en-US" sz="1600" dirty="0">
-              <a:latin typeface="Times New Roman" panose="02020603050405020304" pitchFamily="18" charset="0"/>
-              <a:cs typeface="Times New Roman" panose="02020603050405020304" pitchFamily="18" charset="0"/>
-            </a:endParaRPr>
-          </a:p>
-          <a:p>
-            <a:endParaRPr lang="en-US" sz="1600" dirty="0">
-              <a:latin typeface="Times New Roman" panose="02020603050405020304" pitchFamily="18" charset="0"/>
-              <a:cs typeface="Times New Roman" panose="02020603050405020304" pitchFamily="18" charset="0"/>
-            </a:endParaRPr>
-          </a:p>
-        </p:txBody>
-      </p:sp>
-      <p:sp>
-        <p:nvSpPr>
-          <p:cNvPr id="19" name="TextBox 18">
-            <a:extLst>
-              <a:ext uri="{FF2B5EF4-FFF2-40B4-BE49-F238E27FC236}">
-                <a16:creationId xmlns:a16="http://schemas.microsoft.com/office/drawing/2014/main" id="{D0837555-D7C8-DF72-FA25-7F9A8D02B1E2}"/>
+            <a:pPr algn="just"/>
+            <a:r>
+              <a:rPr lang="en-US" sz="1200" dirty="0">
+                <a:latin typeface="Times New Roman" panose="02020603050405020304" pitchFamily="18" charset="0"/>
+                <a:cs typeface="Times New Roman" panose="02020603050405020304" pitchFamily="18" charset="0"/>
+              </a:rPr>
+              <a:t>Based on the best performance feature selection model, XGboost model suggests that Solar Zenith Angle, Cloud Type, and Relative Humidity are three most important features to consider as influential factors for GHI. (As shown in Table 1 and Figure 2.)</a:t>
+            </a:r>
+          </a:p>
+        </p:txBody>
+      </p:sp>
+      <p:sp>
+        <p:nvSpPr>
+          <p:cNvPr id="166" name="TextBox 165">
+            <a:extLst>
+              <a:ext uri="{FF2B5EF4-FFF2-40B4-BE49-F238E27FC236}">
+                <a16:creationId xmlns:a16="http://schemas.microsoft.com/office/drawing/2014/main" id="{BAD006E4-4B7B-5CB9-3A53-728258209D10}"/>
               </a:ext>
             </a:extLst>
           </p:cNvPr>
@@ -4446,8 +5543,128 @@
         </p:nvSpPr>
         <p:spPr>
           <a:xfrm>
-            <a:off x="11186984" y="951470"/>
-            <a:ext cx="3842951" cy="338554"/>
+            <a:off x="11586604" y="7454647"/>
+            <a:ext cx="3211015" cy="261610"/>
+          </a:xfrm>
+          <a:prstGeom prst="rect">
+            <a:avLst/>
+          </a:prstGeom>
+          <a:noFill/>
+        </p:spPr>
+        <p:txBody>
+          <a:bodyPr wrap="square">
+            <a:spAutoFit/>
+          </a:bodyPr>
+          <a:lstStyle/>
+          <a:p>
+            <a:r>
+              <a:rPr lang="en-US" sz="1100" dirty="0">
+                <a:latin typeface="Times New Roman" panose="02020603050405020304" pitchFamily="18" charset="0"/>
+                <a:cs typeface="Times New Roman" panose="02020603050405020304" pitchFamily="18" charset="0"/>
+              </a:rPr>
+              <a:t>Figure 2: Feature Importance from </a:t>
+            </a:r>
+            <a:r>
+              <a:rPr lang="en-US" sz="1100" dirty="0" err="1">
+                <a:latin typeface="Times New Roman" panose="02020603050405020304" pitchFamily="18" charset="0"/>
+                <a:cs typeface="Times New Roman" panose="02020603050405020304" pitchFamily="18" charset="0"/>
+              </a:rPr>
+              <a:t>XGBoost</a:t>
+            </a:r>
+            <a:r>
+              <a:rPr lang="en-US" sz="1100" dirty="0">
+                <a:latin typeface="Times New Roman" panose="02020603050405020304" pitchFamily="18" charset="0"/>
+                <a:cs typeface="Times New Roman" panose="02020603050405020304" pitchFamily="18" charset="0"/>
+              </a:rPr>
+              <a:t> Model</a:t>
+            </a:r>
+          </a:p>
+        </p:txBody>
+      </p:sp>
+      <p:pic>
+        <p:nvPicPr>
+          <p:cNvPr id="167" name="Picture 166">
+            <a:extLst>
+              <a:ext uri="{FF2B5EF4-FFF2-40B4-BE49-F238E27FC236}">
+                <a16:creationId xmlns:a16="http://schemas.microsoft.com/office/drawing/2014/main" id="{A99CC3E0-EF97-8704-25D3-0456134D1455}"/>
+              </a:ext>
+            </a:extLst>
+          </p:cNvPr>
+          <p:cNvPicPr>
+            <a:picLocks noChangeAspect="1"/>
+          </p:cNvPicPr>
+          <p:nvPr/>
+        </p:nvPicPr>
+        <p:blipFill>
+          <a:blip r:embed="rId4"/>
+          <a:stretch>
+            <a:fillRect/>
+          </a:stretch>
+        </p:blipFill>
+        <p:spPr>
+          <a:xfrm>
+            <a:off x="4826208" y="6258525"/>
+            <a:ext cx="5831499" cy="3337311"/>
+          </a:xfrm>
+          <a:prstGeom prst="rect">
+            <a:avLst/>
+          </a:prstGeom>
+        </p:spPr>
+      </p:pic>
+      <p:sp>
+        <p:nvSpPr>
+          <p:cNvPr id="168" name="TextBox 167">
+            <a:extLst>
+              <a:ext uri="{FF2B5EF4-FFF2-40B4-BE49-F238E27FC236}">
+                <a16:creationId xmlns:a16="http://schemas.microsoft.com/office/drawing/2014/main" id="{37C70709-FD9D-0402-E9D0-22816BE53530}"/>
+              </a:ext>
+            </a:extLst>
+          </p:cNvPr>
+          <p:cNvSpPr txBox="1"/>
+          <p:nvPr/>
+        </p:nvSpPr>
+        <p:spPr>
+          <a:xfrm>
+            <a:off x="6220446" y="9605867"/>
+            <a:ext cx="3486331" cy="261610"/>
+          </a:xfrm>
+          <a:prstGeom prst="rect">
+            <a:avLst/>
+          </a:prstGeom>
+          <a:noFill/>
+        </p:spPr>
+        <p:txBody>
+          <a:bodyPr wrap="square">
+            <a:spAutoFit/>
+          </a:bodyPr>
+          <a:lstStyle/>
+          <a:p>
+            <a:r>
+              <a:rPr lang="en-US" sz="1100" dirty="0">
+                <a:latin typeface="Times New Roman" panose="02020603050405020304" pitchFamily="18" charset="0"/>
+                <a:cs typeface="Times New Roman" panose="02020603050405020304" pitchFamily="18" charset="0"/>
+              </a:rPr>
+              <a:t>Figure 3: Forecasting of Net Generation of Electric Power</a:t>
+            </a:r>
+          </a:p>
+        </p:txBody>
+      </p:sp>
+      <p:sp>
+        <p:nvSpPr>
+          <p:cNvPr id="172" name="TextBox 171">
+            <a:extLst>
+              <a:ext uri="{FF2B5EF4-FFF2-40B4-BE49-F238E27FC236}">
+                <a16:creationId xmlns:a16="http://schemas.microsoft.com/office/drawing/2014/main" id="{F2370A4A-4E53-E248-B242-7480B1ABE894}"/>
+              </a:ext>
+            </a:extLst>
+          </p:cNvPr>
+          <p:cNvSpPr txBox="1"/>
+          <p:nvPr/>
+        </p:nvSpPr>
+        <p:spPr>
+          <a:xfrm>
+            <a:off x="10995012" y="7762791"/>
+            <a:ext cx="4394200" cy="1200329"/>
           </a:xfrm>
           <a:prstGeom prst="rect">
             <a:avLst/>
@@ -4466,390 +5683,166 @@
           </a:bodyPr>
           <a:lstStyle/>
           <a:p>
-            <a:pPr algn="ctr"/>
-            <a:r>
-              <a:rPr lang="en-US" sz="1600" u="none" strike="noStrike" dirty="0">
-                <a:solidFill>
-                  <a:srgbClr val="000000"/>
-                </a:solidFill>
-                <a:effectLst/>
+            <a:r>
+              <a:rPr lang="en-US" sz="1200" dirty="0">
                 <a:latin typeface="Times New Roman" panose="02020603050405020304" pitchFamily="18" charset="0"/>
                 <a:cs typeface="Times New Roman" panose="02020603050405020304" pitchFamily="18" charset="0"/>
               </a:rPr>
-              <a:t>Discussion</a:t>
-            </a:r>
-            <a:endParaRPr lang="en-US" sz="1600" dirty="0">
-              <a:latin typeface="Times New Roman" panose="02020603050405020304" pitchFamily="18" charset="0"/>
-              <a:cs typeface="Times New Roman" panose="02020603050405020304" pitchFamily="18" charset="0"/>
-            </a:endParaRPr>
-          </a:p>
-        </p:txBody>
-      </p:sp>
-      <p:sp>
-        <p:nvSpPr>
-          <p:cNvPr id="20" name="TextBox 19">
-            <a:extLst>
-              <a:ext uri="{FF2B5EF4-FFF2-40B4-BE49-F238E27FC236}">
-                <a16:creationId xmlns:a16="http://schemas.microsoft.com/office/drawing/2014/main" id="{679F2F46-2B8D-B995-6258-0AF6E666A7F5}"/>
-              </a:ext>
-            </a:extLst>
-          </p:cNvPr>
-          <p:cNvSpPr txBox="1"/>
+              <a:t>Through comparing the MSE of models, models with applying only three important features have the lowest MSE. The prediction of net generation of electric power from solar energy shows an overall increasing in the next 24 months from 2023. And the model prediction on the historical data performs good but some periods lay back. (As shown in Figure 3.)</a:t>
+            </a:r>
+          </a:p>
+        </p:txBody>
+      </p:sp>
+      <p:graphicFrame>
+        <p:nvGraphicFramePr>
+          <p:cNvPr id="173" name="Table 172">
+            <a:extLst>
+              <a:ext uri="{FF2B5EF4-FFF2-40B4-BE49-F238E27FC236}">
+                <a16:creationId xmlns:a16="http://schemas.microsoft.com/office/drawing/2014/main" id="{0DC0AD03-17AB-752C-DCC1-88D57D456931}"/>
+              </a:ext>
+            </a:extLst>
+          </p:cNvPr>
+          <p:cNvGraphicFramePr>
+            <a:graphicFrameLocks noGrp="1"/>
+          </p:cNvGraphicFramePr>
           <p:nvPr/>
-        </p:nvSpPr>
-        <p:spPr>
-          <a:xfrm>
-            <a:off x="11232293" y="1556951"/>
-            <a:ext cx="3842951" cy="2800767"/>
-          </a:xfrm>
-          <a:prstGeom prst="rect">
-            <a:avLst/>
-          </a:prstGeom>
-          <a:solidFill>
-            <a:schemeClr val="accent1">
-              <a:lumMod val="20000"/>
-              <a:lumOff val="80000"/>
-              <a:alpha val="89667"/>
-            </a:schemeClr>
-          </a:solidFill>
-        </p:spPr>
-        <p:txBody>
-          <a:bodyPr wrap="square" rtlCol="0">
-            <a:spAutoFit/>
-          </a:bodyPr>
-          <a:lstStyle/>
-          <a:p>
-            <a:endParaRPr lang="en-US" sz="1600" dirty="0">
-              <a:latin typeface="Times New Roman" panose="02020603050405020304" pitchFamily="18" charset="0"/>
-              <a:cs typeface="Times New Roman" panose="02020603050405020304" pitchFamily="18" charset="0"/>
-            </a:endParaRPr>
-          </a:p>
-          <a:p>
-            <a:endParaRPr lang="en-US" sz="1600" dirty="0">
-              <a:latin typeface="Times New Roman" panose="02020603050405020304" pitchFamily="18" charset="0"/>
-              <a:cs typeface="Times New Roman" panose="02020603050405020304" pitchFamily="18" charset="0"/>
-            </a:endParaRPr>
-          </a:p>
-          <a:p>
-            <a:endParaRPr lang="en-US" sz="1600" dirty="0">
-              <a:latin typeface="Times New Roman" panose="02020603050405020304" pitchFamily="18" charset="0"/>
-              <a:cs typeface="Times New Roman" panose="02020603050405020304" pitchFamily="18" charset="0"/>
-            </a:endParaRPr>
-          </a:p>
-          <a:p>
-            <a:endParaRPr lang="en-US" sz="1600" dirty="0">
-              <a:latin typeface="Times New Roman" panose="02020603050405020304" pitchFamily="18" charset="0"/>
-              <a:cs typeface="Times New Roman" panose="02020603050405020304" pitchFamily="18" charset="0"/>
-            </a:endParaRPr>
-          </a:p>
-          <a:p>
-            <a:endParaRPr lang="en-US" sz="1600" dirty="0">
-              <a:latin typeface="Times New Roman" panose="02020603050405020304" pitchFamily="18" charset="0"/>
-              <a:cs typeface="Times New Roman" panose="02020603050405020304" pitchFamily="18" charset="0"/>
-            </a:endParaRPr>
-          </a:p>
-          <a:p>
-            <a:endParaRPr lang="en-US" sz="1600" dirty="0">
-              <a:latin typeface="Times New Roman" panose="02020603050405020304" pitchFamily="18" charset="0"/>
-              <a:cs typeface="Times New Roman" panose="02020603050405020304" pitchFamily="18" charset="0"/>
-            </a:endParaRPr>
-          </a:p>
-          <a:p>
-            <a:endParaRPr lang="en-US" sz="1600" dirty="0">
-              <a:latin typeface="Times New Roman" panose="02020603050405020304" pitchFamily="18" charset="0"/>
-              <a:cs typeface="Times New Roman" panose="02020603050405020304" pitchFamily="18" charset="0"/>
-            </a:endParaRPr>
-          </a:p>
-          <a:p>
-            <a:endParaRPr lang="en-US" sz="1600" dirty="0">
-              <a:latin typeface="Times New Roman" panose="02020603050405020304" pitchFamily="18" charset="0"/>
-              <a:cs typeface="Times New Roman" panose="02020603050405020304" pitchFamily="18" charset="0"/>
-            </a:endParaRPr>
-          </a:p>
-          <a:p>
-            <a:endParaRPr lang="en-US" sz="1600" dirty="0">
-              <a:latin typeface="Times New Roman" panose="02020603050405020304" pitchFamily="18" charset="0"/>
-              <a:cs typeface="Times New Roman" panose="02020603050405020304" pitchFamily="18" charset="0"/>
-            </a:endParaRPr>
-          </a:p>
-          <a:p>
-            <a:endParaRPr lang="en-US" sz="1600" dirty="0">
-              <a:latin typeface="Times New Roman" panose="02020603050405020304" pitchFamily="18" charset="0"/>
-              <a:cs typeface="Times New Roman" panose="02020603050405020304" pitchFamily="18" charset="0"/>
-            </a:endParaRPr>
-          </a:p>
-          <a:p>
-            <a:endParaRPr lang="en-US" sz="1600" dirty="0">
-              <a:latin typeface="Times New Roman" panose="02020603050405020304" pitchFamily="18" charset="0"/>
-              <a:cs typeface="Times New Roman" panose="02020603050405020304" pitchFamily="18" charset="0"/>
-            </a:endParaRPr>
-          </a:p>
-        </p:txBody>
-      </p:sp>
-      <p:sp>
-        <p:nvSpPr>
-          <p:cNvPr id="23" name="TextBox 22">
-            <a:extLst>
-              <a:ext uri="{FF2B5EF4-FFF2-40B4-BE49-F238E27FC236}">
-                <a16:creationId xmlns:a16="http://schemas.microsoft.com/office/drawing/2014/main" id="{3B7C7908-1740-E8C7-0442-428F20F6288B}"/>
-              </a:ext>
-            </a:extLst>
-          </p:cNvPr>
-          <p:cNvSpPr txBox="1"/>
+        </p:nvGraphicFramePr>
+        <p:xfrm>
+          <a:off x="7359650" y="5767388"/>
+          <a:ext cx="825500" cy="203200"/>
+        </p:xfrm>
+        <a:graphic>
+          <a:graphicData uri="http://schemas.openxmlformats.org/drawingml/2006/table">
+            <a:tbl>
+              <a:tblPr/>
+              <a:tblGrid>
+                <a:gridCol w="825500">
+                  <a:extLst>
+                    <a:ext uri="{9D8B030D-6E8A-4147-A177-3AD203B41FA5}">
+                      <a16:colId xmlns:a16="http://schemas.microsoft.com/office/drawing/2014/main" val="779706414"/>
+                    </a:ext>
+                  </a:extLst>
+                </a:gridCol>
+              </a:tblGrid>
+              <a:tr h="203200">
+                <a:tc>
+                  <a:txBody>
+                    <a:bodyPr/>
+                    <a:lstStyle/>
+                    <a:p>
+                      <a:pPr algn="r" fontAlgn="b"/>
+                      <a:r>
+                        <a:rPr lang="en-US" sz="1200" b="0" i="0" u="none" strike="noStrike" dirty="0">
+                          <a:solidFill>
+                            <a:srgbClr val="000000"/>
+                          </a:solidFill>
+                          <a:effectLst/>
+                          <a:latin typeface="Calibri" panose="020F0502020204030204" pitchFamily="34" charset="0"/>
+                        </a:rPr>
+                        <a:t>2.04E-03</a:t>
+                      </a:r>
+                    </a:p>
+                  </a:txBody>
+                  <a:tcPr marL="9525" marR="9525" marT="9525" marB="0" anchor="b">
+                    <a:lnL>
+                      <a:noFill/>
+                    </a:lnL>
+                    <a:lnR>
+                      <a:noFill/>
+                    </a:lnR>
+                    <a:lnT>
+                      <a:noFill/>
+                    </a:lnT>
+                    <a:lnB>
+                      <a:noFill/>
+                    </a:lnB>
+                  </a:tcPr>
+                </a:tc>
+                <a:extLst>
+                  <a:ext uri="{0D108BD9-81ED-4DB2-BD59-A6C34878D82A}">
+                    <a16:rowId xmlns:a16="http://schemas.microsoft.com/office/drawing/2014/main" val="3852625449"/>
+                  </a:ext>
+                </a:extLst>
+              </a:tr>
+            </a:tbl>
+          </a:graphicData>
+        </a:graphic>
+      </p:graphicFrame>
+      <p:graphicFrame>
+        <p:nvGraphicFramePr>
+          <p:cNvPr id="174" name="Table 173">
+            <a:extLst>
+              <a:ext uri="{FF2B5EF4-FFF2-40B4-BE49-F238E27FC236}">
+                <a16:creationId xmlns:a16="http://schemas.microsoft.com/office/drawing/2014/main" id="{B3E624B1-B361-AF73-E18B-D495CB54AF99}"/>
+              </a:ext>
+            </a:extLst>
+          </p:cNvPr>
+          <p:cNvGraphicFramePr>
+            <a:graphicFrameLocks noGrp="1"/>
+          </p:cNvGraphicFramePr>
           <p:nvPr/>
-        </p:nvSpPr>
-        <p:spPr>
-          <a:xfrm>
-            <a:off x="11234351" y="4848656"/>
-            <a:ext cx="3842951" cy="338554"/>
-          </a:xfrm>
-          <a:prstGeom prst="rect">
-            <a:avLst/>
-          </a:prstGeom>
-          <a:solidFill>
-            <a:schemeClr val="accent1">
-              <a:lumMod val="20000"/>
-              <a:lumOff val="80000"/>
-              <a:alpha val="89667"/>
-            </a:schemeClr>
-          </a:solidFill>
-        </p:spPr>
-        <p:txBody>
-          <a:bodyPr wrap="square" rtlCol="0">
-            <a:spAutoFit/>
-          </a:bodyPr>
-          <a:lstStyle/>
-          <a:p>
-            <a:pPr algn="ctr"/>
-            <a:r>
-              <a:rPr lang="en-US" sz="1600" u="none" strike="noStrike" dirty="0">
-                <a:solidFill>
-                  <a:srgbClr val="000000"/>
-                </a:solidFill>
-                <a:effectLst/>
-                <a:latin typeface="Times New Roman" panose="02020603050405020304" pitchFamily="18" charset="0"/>
-                <a:cs typeface="Times New Roman" panose="02020603050405020304" pitchFamily="18" charset="0"/>
-              </a:rPr>
-              <a:t>Carbon cost</a:t>
-            </a:r>
-            <a:endParaRPr lang="en-US" sz="1600" dirty="0">
-              <a:latin typeface="Times New Roman" panose="02020603050405020304" pitchFamily="18" charset="0"/>
-              <a:cs typeface="Times New Roman" panose="02020603050405020304" pitchFamily="18" charset="0"/>
-            </a:endParaRPr>
-          </a:p>
-        </p:txBody>
-      </p:sp>
-      <p:sp>
-        <p:nvSpPr>
-          <p:cNvPr id="24" name="TextBox 23">
-            <a:extLst>
-              <a:ext uri="{FF2B5EF4-FFF2-40B4-BE49-F238E27FC236}">
-                <a16:creationId xmlns:a16="http://schemas.microsoft.com/office/drawing/2014/main" id="{BE438582-4208-D947-3610-610DCA041920}"/>
-              </a:ext>
-            </a:extLst>
-          </p:cNvPr>
-          <p:cNvSpPr txBox="1"/>
-          <p:nvPr/>
-        </p:nvSpPr>
-        <p:spPr>
-          <a:xfrm>
-            <a:off x="11279660" y="5454137"/>
-            <a:ext cx="3842951" cy="2800767"/>
-          </a:xfrm>
-          <a:prstGeom prst="rect">
-            <a:avLst/>
-          </a:prstGeom>
-          <a:solidFill>
-            <a:schemeClr val="accent1">
-              <a:lumMod val="20000"/>
-              <a:lumOff val="80000"/>
-              <a:alpha val="89667"/>
-            </a:schemeClr>
-          </a:solidFill>
-        </p:spPr>
-        <p:txBody>
-          <a:bodyPr wrap="square" rtlCol="0">
-            <a:spAutoFit/>
-          </a:bodyPr>
-          <a:lstStyle/>
-          <a:p>
-            <a:endParaRPr lang="en-US" sz="1600" dirty="0">
-              <a:latin typeface="Times New Roman" panose="02020603050405020304" pitchFamily="18" charset="0"/>
-              <a:cs typeface="Times New Roman" panose="02020603050405020304" pitchFamily="18" charset="0"/>
-            </a:endParaRPr>
-          </a:p>
-          <a:p>
-            <a:endParaRPr lang="en-US" sz="1600" dirty="0">
-              <a:latin typeface="Times New Roman" panose="02020603050405020304" pitchFamily="18" charset="0"/>
-              <a:cs typeface="Times New Roman" panose="02020603050405020304" pitchFamily="18" charset="0"/>
-            </a:endParaRPr>
-          </a:p>
-          <a:p>
-            <a:endParaRPr lang="en-US" sz="1600" dirty="0">
-              <a:latin typeface="Times New Roman" panose="02020603050405020304" pitchFamily="18" charset="0"/>
-              <a:cs typeface="Times New Roman" panose="02020603050405020304" pitchFamily="18" charset="0"/>
-            </a:endParaRPr>
-          </a:p>
-          <a:p>
-            <a:endParaRPr lang="en-US" sz="1600" dirty="0">
-              <a:latin typeface="Times New Roman" panose="02020603050405020304" pitchFamily="18" charset="0"/>
-              <a:cs typeface="Times New Roman" panose="02020603050405020304" pitchFamily="18" charset="0"/>
-            </a:endParaRPr>
-          </a:p>
-          <a:p>
-            <a:endParaRPr lang="en-US" sz="1600" dirty="0">
-              <a:latin typeface="Times New Roman" panose="02020603050405020304" pitchFamily="18" charset="0"/>
-              <a:cs typeface="Times New Roman" panose="02020603050405020304" pitchFamily="18" charset="0"/>
-            </a:endParaRPr>
-          </a:p>
-          <a:p>
-            <a:endParaRPr lang="en-US" sz="1600" dirty="0">
-              <a:latin typeface="Times New Roman" panose="02020603050405020304" pitchFamily="18" charset="0"/>
-              <a:cs typeface="Times New Roman" panose="02020603050405020304" pitchFamily="18" charset="0"/>
-            </a:endParaRPr>
-          </a:p>
-          <a:p>
-            <a:endParaRPr lang="en-US" sz="1600" dirty="0">
-              <a:latin typeface="Times New Roman" panose="02020603050405020304" pitchFamily="18" charset="0"/>
-              <a:cs typeface="Times New Roman" panose="02020603050405020304" pitchFamily="18" charset="0"/>
-            </a:endParaRPr>
-          </a:p>
-          <a:p>
-            <a:endParaRPr lang="en-US" sz="1600" dirty="0">
-              <a:latin typeface="Times New Roman" panose="02020603050405020304" pitchFamily="18" charset="0"/>
-              <a:cs typeface="Times New Roman" panose="02020603050405020304" pitchFamily="18" charset="0"/>
-            </a:endParaRPr>
-          </a:p>
-          <a:p>
-            <a:endParaRPr lang="en-US" sz="1600" dirty="0">
-              <a:latin typeface="Times New Roman" panose="02020603050405020304" pitchFamily="18" charset="0"/>
-              <a:cs typeface="Times New Roman" panose="02020603050405020304" pitchFamily="18" charset="0"/>
-            </a:endParaRPr>
-          </a:p>
-          <a:p>
-            <a:endParaRPr lang="en-US" sz="1600" dirty="0">
-              <a:latin typeface="Times New Roman" panose="02020603050405020304" pitchFamily="18" charset="0"/>
-              <a:cs typeface="Times New Roman" panose="02020603050405020304" pitchFamily="18" charset="0"/>
-            </a:endParaRPr>
-          </a:p>
-          <a:p>
-            <a:endParaRPr lang="en-US" sz="1600" dirty="0">
-              <a:latin typeface="Times New Roman" panose="02020603050405020304" pitchFamily="18" charset="0"/>
-              <a:cs typeface="Times New Roman" panose="02020603050405020304" pitchFamily="18" charset="0"/>
-            </a:endParaRPr>
-          </a:p>
-        </p:txBody>
-      </p:sp>
-      <p:sp>
-        <p:nvSpPr>
-          <p:cNvPr id="28" name="Rectangle 27">
-            <a:extLst>
-              <a:ext uri="{FF2B5EF4-FFF2-40B4-BE49-F238E27FC236}">
-                <a16:creationId xmlns:a16="http://schemas.microsoft.com/office/drawing/2014/main" id="{3754EAC1-56A5-1956-54EC-F116C1E36C74}"/>
-              </a:ext>
-            </a:extLst>
-          </p:cNvPr>
-          <p:cNvSpPr/>
-          <p:nvPr/>
-        </p:nvSpPr>
-        <p:spPr>
-          <a:xfrm>
-            <a:off x="1373949" y="106589"/>
-            <a:ext cx="12796901" cy="707886"/>
-          </a:xfrm>
-          <a:prstGeom prst="rect">
-            <a:avLst/>
-          </a:prstGeom>
-          <a:noFill/>
-        </p:spPr>
-        <p:txBody>
-          <a:bodyPr wrap="none" lIns="91440" tIns="45720" rIns="91440" bIns="45720">
-            <a:spAutoFit/>
-          </a:bodyPr>
-          <a:lstStyle/>
-          <a:p>
-            <a:pPr algn="ctr"/>
-            <a:r>
-              <a:rPr lang="en-US" sz="4000" b="1" dirty="0">
-                <a:ln w="12700">
-                  <a:solidFill>
-                    <a:schemeClr val="tx2">
-                      <a:lumMod val="75000"/>
-                    </a:schemeClr>
-                  </a:solidFill>
-                  <a:prstDash val="solid"/>
-                </a:ln>
-                <a:solidFill>
-                  <a:srgbClr val="87A2D3"/>
-                </a:solidFill>
-                <a:effectLst>
-                  <a:outerShdw blurRad="50800" dist="38100" dir="18900000" algn="bl" rotWithShape="0">
-                    <a:prstClr val="black">
-                      <a:alpha val="40000"/>
-                    </a:prstClr>
-                  </a:outerShdw>
-                </a:effectLst>
-                <a:latin typeface="Abadi" panose="020B0604020104020204" pitchFamily="34" charset="0"/>
-                <a:cs typeface="Aharoni" panose="02010803020104030203" pitchFamily="2" charset="-79"/>
-              </a:rPr>
-              <a:t>Solar Irradiation and Electric Power Generation in Virginia</a:t>
-            </a:r>
-            <a:endParaRPr lang="en-US" sz="4000" b="1" dirty="0">
-              <a:ln w="12700">
-                <a:solidFill>
-                  <a:schemeClr val="tx2">
-                    <a:lumMod val="75000"/>
-                  </a:schemeClr>
-                </a:solidFill>
-                <a:prstDash val="solid"/>
-              </a:ln>
-              <a:solidFill>
-                <a:srgbClr val="87A2D3"/>
-              </a:solidFill>
-              <a:effectLst>
-                <a:outerShdw blurRad="50800" dist="38100" dir="18900000" algn="bl" rotWithShape="0">
-                  <a:prstClr val="black">
-                    <a:alpha val="40000"/>
-                  </a:prstClr>
-                </a:outerShdw>
-              </a:effectLst>
-            </a:endParaRPr>
-          </a:p>
-        </p:txBody>
-      </p:sp>
-      <p:sp>
-        <p:nvSpPr>
-          <p:cNvPr id="29" name="Footer Placeholder 28">
-            <a:extLst>
-              <a:ext uri="{FF2B5EF4-FFF2-40B4-BE49-F238E27FC236}">
-                <a16:creationId xmlns:a16="http://schemas.microsoft.com/office/drawing/2014/main" id="{FB939579-826B-B791-B0AE-513443C43CA8}"/>
-              </a:ext>
-            </a:extLst>
-          </p:cNvPr>
-          <p:cNvSpPr>
-            <a:spLocks noGrp="1"/>
-          </p:cNvSpPr>
-          <p:nvPr>
-            <p:ph type="ftr" sz="quarter" idx="11"/>
-          </p:nvPr>
-        </p:nvSpPr>
-        <p:spPr>
-          <a:xfrm>
-            <a:off x="5149214" y="9522883"/>
-            <a:ext cx="5246370" cy="535517"/>
-          </a:xfrm>
-        </p:spPr>
-        <p:txBody>
-          <a:bodyPr/>
-          <a:lstStyle/>
-          <a:p>
-            <a:r>
-              <a:rPr lang="en-US" dirty="0"/>
-              <a:t>Designed and Created by Huiting Song</a:t>
-            </a:r>
-          </a:p>
-        </p:txBody>
-      </p:sp>
+        </p:nvGraphicFramePr>
+        <p:xfrm>
+          <a:off x="7359650" y="5767388"/>
+          <a:ext cx="825500" cy="203200"/>
+        </p:xfrm>
+        <a:graphic>
+          <a:graphicData uri="http://schemas.openxmlformats.org/drawingml/2006/table">
+            <a:tbl>
+              <a:tblPr/>
+              <a:tblGrid>
+                <a:gridCol w="825500">
+                  <a:extLst>
+                    <a:ext uri="{9D8B030D-6E8A-4147-A177-3AD203B41FA5}">
+                      <a16:colId xmlns:a16="http://schemas.microsoft.com/office/drawing/2014/main" val="3861004239"/>
+                    </a:ext>
+                  </a:extLst>
+                </a:gridCol>
+              </a:tblGrid>
+              <a:tr h="203200">
+                <a:tc>
+                  <a:txBody>
+                    <a:bodyPr/>
+                    <a:lstStyle/>
+                    <a:p>
+                      <a:pPr algn="r" fontAlgn="b"/>
+                      <a:r>
+                        <a:rPr lang="en-US" sz="1200" b="0" i="0" u="none" strike="noStrike" dirty="0">
+                          <a:solidFill>
+                            <a:srgbClr val="000000"/>
+                          </a:solidFill>
+                          <a:effectLst/>
+                          <a:latin typeface="Calibri" panose="020F0502020204030204" pitchFamily="34" charset="0"/>
+                        </a:rPr>
+                        <a:t>2.04E-03</a:t>
+                      </a:r>
+                    </a:p>
+                  </a:txBody>
+                  <a:tcPr marL="9525" marR="9525" marT="9525" marB="0" anchor="b">
+                    <a:lnL>
+                      <a:noFill/>
+                    </a:lnL>
+                    <a:lnR>
+                      <a:noFill/>
+                    </a:lnR>
+                    <a:lnT>
+                      <a:noFill/>
+                    </a:lnT>
+                    <a:lnB>
+                      <a:noFill/>
+                    </a:lnB>
+                  </a:tcPr>
+                </a:tc>
+                <a:extLst>
+                  <a:ext uri="{0D108BD9-81ED-4DB2-BD59-A6C34878D82A}">
+                    <a16:rowId xmlns:a16="http://schemas.microsoft.com/office/drawing/2014/main" val="458790419"/>
+                  </a:ext>
+                </a:extLst>
+              </a:tr>
+            </a:tbl>
+          </a:graphicData>
+        </a:graphic>
+      </p:graphicFrame>
     </p:spTree>
     <p:extLst>
       <p:ext uri="{BB962C8B-B14F-4D97-AF65-F5344CB8AC3E}">

--- a/poster.pptx
+++ b/poster.pptx
@@ -5705,11 +5705,17 @@
           <p:cNvGraphicFramePr>
             <a:graphicFrameLocks noGrp="1"/>
           </p:cNvGraphicFramePr>
-          <p:nvPr/>
+          <p:nvPr>
+            <p:extLst>
+              <p:ext uri="{D42A27DB-BD31-4B8C-83A1-F6EECF244321}">
+                <p14:modId xmlns:p14="http://schemas.microsoft.com/office/powerpoint/2010/main" val="1226189135"/>
+              </p:ext>
+            </p:extLst>
+          </p:nvPr>
         </p:nvGraphicFramePr>
         <p:xfrm>
           <a:off x="7359650" y="5767388"/>
-          <a:ext cx="825500" cy="203200"/>
+          <a:ext cx="825500" cy="192405"/>
         </p:xfrm>
         <a:graphic>
           <a:graphicData uri="http://schemas.openxmlformats.org/drawingml/2006/table">
@@ -5724,23 +5730,20 @@
                   </a:extLst>
                 </a:gridCol>
               </a:tblGrid>
-              <a:tr h="203200">
+              <a:tr h="138112">
                 <a:tc>
                   <a:txBody>
                     <a:bodyPr/>
                     <a:lstStyle/>
                     <a:p>
                       <a:pPr algn="r" fontAlgn="b"/>
-                      <a:r>
-                        <a:rPr lang="en-US" sz="1200" b="0" i="0" u="none" strike="noStrike" dirty="0">
-                          <a:solidFill>
-                            <a:srgbClr val="000000"/>
-                          </a:solidFill>
-                          <a:effectLst/>
-                          <a:latin typeface="Calibri" panose="020F0502020204030204" pitchFamily="34" charset="0"/>
-                        </a:rPr>
-                        <a:t>2.04E-03</a:t>
-                      </a:r>
+                      <a:endParaRPr lang="en-US" sz="1200" b="0" i="0" u="none" strike="noStrike" dirty="0">
+                        <a:solidFill>
+                          <a:srgbClr val="000000"/>
+                        </a:solidFill>
+                        <a:effectLst/>
+                        <a:latin typeface="Calibri" panose="020F0502020204030204" pitchFamily="34" charset="0"/>
+                      </a:endParaRPr>
                     </a:p>
                   </a:txBody>
                   <a:tcPr marL="9525" marR="9525" marT="9525" marB="0" anchor="b">
@@ -5761,81 +5764,6 @@
                 <a:extLst>
                   <a:ext uri="{0D108BD9-81ED-4DB2-BD59-A6C34878D82A}">
                     <a16:rowId xmlns:a16="http://schemas.microsoft.com/office/drawing/2014/main" val="3852625449"/>
-                  </a:ext>
-                </a:extLst>
-              </a:tr>
-            </a:tbl>
-          </a:graphicData>
-        </a:graphic>
-      </p:graphicFrame>
-      <p:graphicFrame>
-        <p:nvGraphicFramePr>
-          <p:cNvPr id="174" name="Table 173">
-            <a:extLst>
-              <a:ext uri="{FF2B5EF4-FFF2-40B4-BE49-F238E27FC236}">
-                <a16:creationId xmlns:a16="http://schemas.microsoft.com/office/drawing/2014/main" id="{B3E624B1-B361-AF73-E18B-D495CB54AF99}"/>
-              </a:ext>
-            </a:extLst>
-          </p:cNvPr>
-          <p:cNvGraphicFramePr>
-            <a:graphicFrameLocks noGrp="1"/>
-          </p:cNvGraphicFramePr>
-          <p:nvPr/>
-        </p:nvGraphicFramePr>
-        <p:xfrm>
-          <a:off x="7359650" y="5767388"/>
-          <a:ext cx="825500" cy="203200"/>
-        </p:xfrm>
-        <a:graphic>
-          <a:graphicData uri="http://schemas.openxmlformats.org/drawingml/2006/table">
-            <a:tbl>
-              <a:tblPr/>
-              <a:tblGrid>
-                <a:gridCol w="825500">
-                  <a:extLst>
-                    <a:ext uri="{9D8B030D-6E8A-4147-A177-3AD203B41FA5}">
-                      <a16:colId xmlns:a16="http://schemas.microsoft.com/office/drawing/2014/main" val="3861004239"/>
-                    </a:ext>
-                  </a:extLst>
-                </a:gridCol>
-              </a:tblGrid>
-              <a:tr h="203200">
-                <a:tc>
-                  <a:txBody>
-                    <a:bodyPr/>
-                    <a:lstStyle/>
-                    <a:p>
-                      <a:pPr algn="r" fontAlgn="b"/>
-                      <a:r>
-                        <a:rPr lang="en-US" sz="1200" b="0" i="0" u="none" strike="noStrike" dirty="0">
-                          <a:solidFill>
-                            <a:srgbClr val="000000"/>
-                          </a:solidFill>
-                          <a:effectLst/>
-                          <a:latin typeface="Calibri" panose="020F0502020204030204" pitchFamily="34" charset="0"/>
-                        </a:rPr>
-                        <a:t>2.04E-03</a:t>
-                      </a:r>
-                    </a:p>
-                  </a:txBody>
-                  <a:tcPr marL="9525" marR="9525" marT="9525" marB="0" anchor="b">
-                    <a:lnL>
-                      <a:noFill/>
-                    </a:lnL>
-                    <a:lnR>
-                      <a:noFill/>
-                    </a:lnR>
-                    <a:lnT>
-                      <a:noFill/>
-                    </a:lnT>
-                    <a:lnB>
-                      <a:noFill/>
-                    </a:lnB>
-                  </a:tcPr>
-                </a:tc>
-                <a:extLst>
-                  <a:ext uri="{0D108BD9-81ED-4DB2-BD59-A6C34878D82A}">
-                    <a16:rowId xmlns:a16="http://schemas.microsoft.com/office/drawing/2014/main" val="458790419"/>
                   </a:ext>
                 </a:extLst>
               </a:tr>
